--- a/Documentation/Diagrams/01 Functional Decomposition Diagram/FDD.pptx
+++ b/Documentation/Diagrams/01 Functional Decomposition Diagram/FDD.pptx
@@ -1287,43 +1287,6 @@
         </a:p>
       </dgm:t>
     </dgm:pt>
-    <dgm:pt modelId="{0A1A21E5-E71A-4996-B219-4E6BE8F2F92A}">
-      <dgm:prSet phldrT="[Text]" custT="1"/>
-      <dgm:spPr/>
-      <dgm:t>
-        <a:bodyPr/>
-        <a:lstStyle/>
-        <a:p>
-          <a:r>
-            <a:rPr lang="en-PH" sz="1200" b="0" dirty="0" smtClean="0"/>
-            <a:t>How-To Module</a:t>
-          </a:r>
-          <a:endParaRPr lang="en-PH" sz="1200" b="0" dirty="0"/>
-        </a:p>
-      </dgm:t>
-    </dgm:pt>
-    <dgm:pt modelId="{A6F89C51-EB65-4709-AF75-D814884565D3}" type="parTrans" cxnId="{E0476168-85F3-480C-BF86-3D4ACCF57152}">
-      <dgm:prSet/>
-      <dgm:spPr/>
-      <dgm:t>
-        <a:bodyPr/>
-        <a:lstStyle/>
-        <a:p>
-          <a:endParaRPr lang="en-PH"/>
-        </a:p>
-      </dgm:t>
-    </dgm:pt>
-    <dgm:pt modelId="{AA5E0BEF-21AA-4BB3-ADA4-82D48BF50E9C}" type="sibTrans" cxnId="{E0476168-85F3-480C-BF86-3D4ACCF57152}">
-      <dgm:prSet/>
-      <dgm:spPr/>
-      <dgm:t>
-        <a:bodyPr/>
-        <a:lstStyle/>
-        <a:p>
-          <a:endParaRPr lang="en-PH"/>
-        </a:p>
-      </dgm:t>
-    </dgm:pt>
     <dgm:pt modelId="{9A72D09F-E4D8-431F-803A-6A3D19C2EB82}">
       <dgm:prSet phldrT="[Text]" custT="1"/>
       <dgm:spPr/>
@@ -1602,8 +1565,8 @@
       <dgm:prSet presAssocID="{1DE781E6-5348-4A0F-8A4D-9CB6FDBE62D7}" presName="hierChild2" presStyleCnt="0"/>
       <dgm:spPr/>
     </dgm:pt>
-    <dgm:pt modelId="{F6ECBCA2-DB27-4669-9640-4AF009594EAF}" type="pres">
-      <dgm:prSet presAssocID="{A6F89C51-EB65-4709-AF75-D814884565D3}" presName="Name10" presStyleLbl="parChTrans1D2" presStyleIdx="0" presStyleCnt="7"/>
+    <dgm:pt modelId="{33407D5C-B7E0-45E4-8E32-FCC1BE5A8B62}" type="pres">
+      <dgm:prSet presAssocID="{0D2AF5F0-BDC2-4361-A7FE-06743388DCF0}" presName="Name10" presStyleLbl="parChTrans1D2" presStyleIdx="0" presStyleCnt="6"/>
       <dgm:spPr/>
       <dgm:t>
         <a:bodyPr/>
@@ -1613,20 +1576,20 @@
         </a:p>
       </dgm:t>
     </dgm:pt>
-    <dgm:pt modelId="{401DBB28-D896-4CAE-81E4-204C0FF8A21B}" type="pres">
-      <dgm:prSet presAssocID="{0A1A21E5-E71A-4996-B219-4E6BE8F2F92A}" presName="hierRoot2" presStyleCnt="0"/>
-      <dgm:spPr/>
-    </dgm:pt>
-    <dgm:pt modelId="{B48CD6A3-1445-4F95-A48E-197A89A02EE6}" type="pres">
-      <dgm:prSet presAssocID="{0A1A21E5-E71A-4996-B219-4E6BE8F2F92A}" presName="composite2" presStyleCnt="0"/>
-      <dgm:spPr/>
-    </dgm:pt>
-    <dgm:pt modelId="{B19C4959-5E6C-47B8-B645-671128CF5577}" type="pres">
-      <dgm:prSet presAssocID="{0A1A21E5-E71A-4996-B219-4E6BE8F2F92A}" presName="background2" presStyleLbl="node2" presStyleIdx="0" presStyleCnt="7"/>
-      <dgm:spPr/>
-    </dgm:pt>
-    <dgm:pt modelId="{73408D6B-AF5D-4A36-B7BE-3AC9A8BFFBEE}" type="pres">
-      <dgm:prSet presAssocID="{0A1A21E5-E71A-4996-B219-4E6BE8F2F92A}" presName="text2" presStyleLbl="fgAcc2" presStyleIdx="0" presStyleCnt="7">
+    <dgm:pt modelId="{BB96408C-3A59-4FBD-95DA-FF4B64C1D946}" type="pres">
+      <dgm:prSet presAssocID="{BB92A1FD-0393-4885-9CE6-BFAEE3B461AE}" presName="hierRoot2" presStyleCnt="0"/>
+      <dgm:spPr/>
+    </dgm:pt>
+    <dgm:pt modelId="{2AF91B72-EFD0-4D47-A542-2ABB2C750459}" type="pres">
+      <dgm:prSet presAssocID="{BB92A1FD-0393-4885-9CE6-BFAEE3B461AE}" presName="composite2" presStyleCnt="0"/>
+      <dgm:spPr/>
+    </dgm:pt>
+    <dgm:pt modelId="{796E2750-10EE-472B-9217-32E32D93D7CC}" type="pres">
+      <dgm:prSet presAssocID="{BB92A1FD-0393-4885-9CE6-BFAEE3B461AE}" presName="background2" presStyleLbl="node2" presStyleIdx="0" presStyleCnt="6"/>
+      <dgm:spPr/>
+    </dgm:pt>
+    <dgm:pt modelId="{FE3D4E2A-6F6D-4AD6-BF52-BA9FEA686BCC}" type="pres">
+      <dgm:prSet presAssocID="{BB92A1FD-0393-4885-9CE6-BFAEE3B461AE}" presName="text2" presStyleLbl="fgAcc2" presStyleIdx="0" presStyleCnt="6">
         <dgm:presLayoutVars>
           <dgm:chPref val="3"/>
         </dgm:presLayoutVars>
@@ -1640,12 +1603,12 @@
         </a:p>
       </dgm:t>
     </dgm:pt>
-    <dgm:pt modelId="{3AF139A9-18E3-47B0-920D-75F8EDDFCC1B}" type="pres">
-      <dgm:prSet presAssocID="{0A1A21E5-E71A-4996-B219-4E6BE8F2F92A}" presName="hierChild3" presStyleCnt="0"/>
-      <dgm:spPr/>
-    </dgm:pt>
-    <dgm:pt modelId="{33407D5C-B7E0-45E4-8E32-FCC1BE5A8B62}" type="pres">
-      <dgm:prSet presAssocID="{0D2AF5F0-BDC2-4361-A7FE-06743388DCF0}" presName="Name10" presStyleLbl="parChTrans1D2" presStyleIdx="1" presStyleCnt="7"/>
+    <dgm:pt modelId="{EBD6AB9C-F440-4CC2-BD31-B45227A227C4}" type="pres">
+      <dgm:prSet presAssocID="{BB92A1FD-0393-4885-9CE6-BFAEE3B461AE}" presName="hierChild3" presStyleCnt="0"/>
+      <dgm:spPr/>
+    </dgm:pt>
+    <dgm:pt modelId="{8A82CA6C-80DA-4268-8EAA-3A650E636E40}" type="pres">
+      <dgm:prSet presAssocID="{25C39BD1-8CC0-4806-8FB3-4347762556A3}" presName="Name17" presStyleLbl="parChTrans1D3" presStyleIdx="0" presStyleCnt="9"/>
       <dgm:spPr/>
       <dgm:t>
         <a:bodyPr/>
@@ -1655,20 +1618,20 @@
         </a:p>
       </dgm:t>
     </dgm:pt>
-    <dgm:pt modelId="{BB96408C-3A59-4FBD-95DA-FF4B64C1D946}" type="pres">
-      <dgm:prSet presAssocID="{BB92A1FD-0393-4885-9CE6-BFAEE3B461AE}" presName="hierRoot2" presStyleCnt="0"/>
-      <dgm:spPr/>
-    </dgm:pt>
-    <dgm:pt modelId="{2AF91B72-EFD0-4D47-A542-2ABB2C750459}" type="pres">
-      <dgm:prSet presAssocID="{BB92A1FD-0393-4885-9CE6-BFAEE3B461AE}" presName="composite2" presStyleCnt="0"/>
-      <dgm:spPr/>
-    </dgm:pt>
-    <dgm:pt modelId="{796E2750-10EE-472B-9217-32E32D93D7CC}" type="pres">
-      <dgm:prSet presAssocID="{BB92A1FD-0393-4885-9CE6-BFAEE3B461AE}" presName="background2" presStyleLbl="node2" presStyleIdx="1" presStyleCnt="7"/>
-      <dgm:spPr/>
-    </dgm:pt>
-    <dgm:pt modelId="{FE3D4E2A-6F6D-4AD6-BF52-BA9FEA686BCC}" type="pres">
-      <dgm:prSet presAssocID="{BB92A1FD-0393-4885-9CE6-BFAEE3B461AE}" presName="text2" presStyleLbl="fgAcc2" presStyleIdx="1" presStyleCnt="7">
+    <dgm:pt modelId="{16F3744A-743E-4D4F-8F55-377BEA36A55A}" type="pres">
+      <dgm:prSet presAssocID="{9A72D09F-E4D8-431F-803A-6A3D19C2EB82}" presName="hierRoot3" presStyleCnt="0"/>
+      <dgm:spPr/>
+    </dgm:pt>
+    <dgm:pt modelId="{DD9B03BC-BB74-43B9-9CF3-3412A37146CC}" type="pres">
+      <dgm:prSet presAssocID="{9A72D09F-E4D8-431F-803A-6A3D19C2EB82}" presName="composite3" presStyleCnt="0"/>
+      <dgm:spPr/>
+    </dgm:pt>
+    <dgm:pt modelId="{9F2C0BDE-0EC2-4754-B990-723A8E0F0284}" type="pres">
+      <dgm:prSet presAssocID="{9A72D09F-E4D8-431F-803A-6A3D19C2EB82}" presName="background3" presStyleLbl="node3" presStyleIdx="0" presStyleCnt="9"/>
+      <dgm:spPr/>
+    </dgm:pt>
+    <dgm:pt modelId="{EAC91DCC-948E-4377-B972-4E9B2045816E}" type="pres">
+      <dgm:prSet presAssocID="{9A72D09F-E4D8-431F-803A-6A3D19C2EB82}" presName="text3" presStyleLbl="fgAcc3" presStyleIdx="0" presStyleCnt="9">
         <dgm:presLayoutVars>
           <dgm:chPref val="3"/>
         </dgm:presLayoutVars>
@@ -1682,32 +1645,12 @@
         </a:p>
       </dgm:t>
     </dgm:pt>
-    <dgm:pt modelId="{EBD6AB9C-F440-4CC2-BD31-B45227A227C4}" type="pres">
-      <dgm:prSet presAssocID="{BB92A1FD-0393-4885-9CE6-BFAEE3B461AE}" presName="hierChild3" presStyleCnt="0"/>
-      <dgm:spPr/>
-    </dgm:pt>
-    <dgm:pt modelId="{8A82CA6C-80DA-4268-8EAA-3A650E636E40}" type="pres">
-      <dgm:prSet presAssocID="{25C39BD1-8CC0-4806-8FB3-4347762556A3}" presName="Name17" presStyleLbl="parChTrans1D3" presStyleIdx="0" presStyleCnt="9"/>
-      <dgm:spPr/>
-    </dgm:pt>
-    <dgm:pt modelId="{16F3744A-743E-4D4F-8F55-377BEA36A55A}" type="pres">
-      <dgm:prSet presAssocID="{9A72D09F-E4D8-431F-803A-6A3D19C2EB82}" presName="hierRoot3" presStyleCnt="0"/>
-      <dgm:spPr/>
-    </dgm:pt>
-    <dgm:pt modelId="{DD9B03BC-BB74-43B9-9CF3-3412A37146CC}" type="pres">
-      <dgm:prSet presAssocID="{9A72D09F-E4D8-431F-803A-6A3D19C2EB82}" presName="composite3" presStyleCnt="0"/>
-      <dgm:spPr/>
-    </dgm:pt>
-    <dgm:pt modelId="{9F2C0BDE-0EC2-4754-B990-723A8E0F0284}" type="pres">
-      <dgm:prSet presAssocID="{9A72D09F-E4D8-431F-803A-6A3D19C2EB82}" presName="background3" presStyleLbl="node3" presStyleIdx="0" presStyleCnt="9"/>
-      <dgm:spPr/>
-    </dgm:pt>
-    <dgm:pt modelId="{EAC91DCC-948E-4377-B972-4E9B2045816E}" type="pres">
-      <dgm:prSet presAssocID="{9A72D09F-E4D8-431F-803A-6A3D19C2EB82}" presName="text3" presStyleLbl="fgAcc3" presStyleIdx="0" presStyleCnt="9">
-        <dgm:presLayoutVars>
-          <dgm:chPref val="3"/>
-        </dgm:presLayoutVars>
-      </dgm:prSet>
+    <dgm:pt modelId="{AC39686C-3C4A-43E3-B47D-C0F27E6D98EB}" type="pres">
+      <dgm:prSet presAssocID="{9A72D09F-E4D8-431F-803A-6A3D19C2EB82}" presName="hierChild4" presStyleCnt="0"/>
+      <dgm:spPr/>
+    </dgm:pt>
+    <dgm:pt modelId="{55B448B4-B332-4472-9288-EA12A026CAF3}" type="pres">
+      <dgm:prSet presAssocID="{E56AD853-2923-4CF1-8203-63C476BB4E07}" presName="Name10" presStyleLbl="parChTrans1D2" presStyleIdx="1" presStyleCnt="6"/>
       <dgm:spPr/>
       <dgm:t>
         <a:bodyPr/>
@@ -1717,12 +1660,24 @@
         </a:p>
       </dgm:t>
     </dgm:pt>
-    <dgm:pt modelId="{AC39686C-3C4A-43E3-B47D-C0F27E6D98EB}" type="pres">
-      <dgm:prSet presAssocID="{9A72D09F-E4D8-431F-803A-6A3D19C2EB82}" presName="hierChild4" presStyleCnt="0"/>
-      <dgm:spPr/>
-    </dgm:pt>
-    <dgm:pt modelId="{55B448B4-B332-4472-9288-EA12A026CAF3}" type="pres">
-      <dgm:prSet presAssocID="{E56AD853-2923-4CF1-8203-63C476BB4E07}" presName="Name10" presStyleLbl="parChTrans1D2" presStyleIdx="2" presStyleCnt="7"/>
+    <dgm:pt modelId="{CE7AABB2-C6A4-4D98-AF93-82C90BED50BF}" type="pres">
+      <dgm:prSet presAssocID="{39982D43-814D-4BD0-A6C4-DF3FEFB2A8B5}" presName="hierRoot2" presStyleCnt="0"/>
+      <dgm:spPr/>
+    </dgm:pt>
+    <dgm:pt modelId="{5288B8D5-8043-4AC4-BB22-A56281ACBCFF}" type="pres">
+      <dgm:prSet presAssocID="{39982D43-814D-4BD0-A6C4-DF3FEFB2A8B5}" presName="composite2" presStyleCnt="0"/>
+      <dgm:spPr/>
+    </dgm:pt>
+    <dgm:pt modelId="{78F68D68-3F80-42D4-90A3-A3AAD775A149}" type="pres">
+      <dgm:prSet presAssocID="{39982D43-814D-4BD0-A6C4-DF3FEFB2A8B5}" presName="background2" presStyleLbl="node2" presStyleIdx="1" presStyleCnt="6"/>
+      <dgm:spPr/>
+    </dgm:pt>
+    <dgm:pt modelId="{1BD48325-E5D8-4F94-A117-BB283C4AA14F}" type="pres">
+      <dgm:prSet presAssocID="{39982D43-814D-4BD0-A6C4-DF3FEFB2A8B5}" presName="text2" presStyleLbl="fgAcc2" presStyleIdx="1" presStyleCnt="6">
+        <dgm:presLayoutVars>
+          <dgm:chPref val="3"/>
+        </dgm:presLayoutVars>
+      </dgm:prSet>
       <dgm:spPr/>
       <dgm:t>
         <a:bodyPr/>
@@ -1732,24 +1687,12 @@
         </a:p>
       </dgm:t>
     </dgm:pt>
-    <dgm:pt modelId="{CE7AABB2-C6A4-4D98-AF93-82C90BED50BF}" type="pres">
-      <dgm:prSet presAssocID="{39982D43-814D-4BD0-A6C4-DF3FEFB2A8B5}" presName="hierRoot2" presStyleCnt="0"/>
-      <dgm:spPr/>
-    </dgm:pt>
-    <dgm:pt modelId="{5288B8D5-8043-4AC4-BB22-A56281ACBCFF}" type="pres">
-      <dgm:prSet presAssocID="{39982D43-814D-4BD0-A6C4-DF3FEFB2A8B5}" presName="composite2" presStyleCnt="0"/>
-      <dgm:spPr/>
-    </dgm:pt>
-    <dgm:pt modelId="{78F68D68-3F80-42D4-90A3-A3AAD775A149}" type="pres">
-      <dgm:prSet presAssocID="{39982D43-814D-4BD0-A6C4-DF3FEFB2A8B5}" presName="background2" presStyleLbl="node2" presStyleIdx="2" presStyleCnt="7"/>
-      <dgm:spPr/>
-    </dgm:pt>
-    <dgm:pt modelId="{1BD48325-E5D8-4F94-A117-BB283C4AA14F}" type="pres">
-      <dgm:prSet presAssocID="{39982D43-814D-4BD0-A6C4-DF3FEFB2A8B5}" presName="text2" presStyleLbl="fgAcc2" presStyleIdx="2" presStyleCnt="7">
-        <dgm:presLayoutVars>
-          <dgm:chPref val="3"/>
-        </dgm:presLayoutVars>
-      </dgm:prSet>
+    <dgm:pt modelId="{6DD85BFC-1E61-402C-898B-34FE2C1E2508}" type="pres">
+      <dgm:prSet presAssocID="{39982D43-814D-4BD0-A6C4-DF3FEFB2A8B5}" presName="hierChild3" presStyleCnt="0"/>
+      <dgm:spPr/>
+    </dgm:pt>
+    <dgm:pt modelId="{08087E09-C088-44A7-B37C-9042DE28F42A}" type="pres">
+      <dgm:prSet presAssocID="{F09320FD-EBC1-4546-AE71-9283D627C417}" presName="Name17" presStyleLbl="parChTrans1D3" presStyleIdx="1" presStyleCnt="9"/>
       <dgm:spPr/>
       <dgm:t>
         <a:bodyPr/>
@@ -1759,12 +1702,24 @@
         </a:p>
       </dgm:t>
     </dgm:pt>
-    <dgm:pt modelId="{6DD85BFC-1E61-402C-898B-34FE2C1E2508}" type="pres">
-      <dgm:prSet presAssocID="{39982D43-814D-4BD0-A6C4-DF3FEFB2A8B5}" presName="hierChild3" presStyleCnt="0"/>
-      <dgm:spPr/>
-    </dgm:pt>
-    <dgm:pt modelId="{08087E09-C088-44A7-B37C-9042DE28F42A}" type="pres">
-      <dgm:prSet presAssocID="{F09320FD-EBC1-4546-AE71-9283D627C417}" presName="Name17" presStyleLbl="parChTrans1D3" presStyleIdx="1" presStyleCnt="9"/>
+    <dgm:pt modelId="{D88ED53D-82FF-4469-BE94-DEFF33B311CB}" type="pres">
+      <dgm:prSet presAssocID="{33794474-C107-4BA7-B9A8-CEA0F422D211}" presName="hierRoot3" presStyleCnt="0"/>
+      <dgm:spPr/>
+    </dgm:pt>
+    <dgm:pt modelId="{010197E1-1F9D-46B5-AB1E-88BAD87666F5}" type="pres">
+      <dgm:prSet presAssocID="{33794474-C107-4BA7-B9A8-CEA0F422D211}" presName="composite3" presStyleCnt="0"/>
+      <dgm:spPr/>
+    </dgm:pt>
+    <dgm:pt modelId="{D72A7D99-7F40-463C-8956-D3AD6181307A}" type="pres">
+      <dgm:prSet presAssocID="{33794474-C107-4BA7-B9A8-CEA0F422D211}" presName="background3" presStyleLbl="node3" presStyleIdx="1" presStyleCnt="9"/>
+      <dgm:spPr/>
+    </dgm:pt>
+    <dgm:pt modelId="{F28F3A04-CC50-4152-BBA8-5BC1F149C29B}" type="pres">
+      <dgm:prSet presAssocID="{33794474-C107-4BA7-B9A8-CEA0F422D211}" presName="text3" presStyleLbl="fgAcc3" presStyleIdx="1" presStyleCnt="9" custLinFactNeighborX="41" custLinFactNeighborY="4566">
+        <dgm:presLayoutVars>
+          <dgm:chPref val="3"/>
+        </dgm:presLayoutVars>
+      </dgm:prSet>
       <dgm:spPr/>
       <dgm:t>
         <a:bodyPr/>
@@ -1774,24 +1729,12 @@
         </a:p>
       </dgm:t>
     </dgm:pt>
-    <dgm:pt modelId="{D88ED53D-82FF-4469-BE94-DEFF33B311CB}" type="pres">
-      <dgm:prSet presAssocID="{33794474-C107-4BA7-B9A8-CEA0F422D211}" presName="hierRoot3" presStyleCnt="0"/>
-      <dgm:spPr/>
-    </dgm:pt>
-    <dgm:pt modelId="{010197E1-1F9D-46B5-AB1E-88BAD87666F5}" type="pres">
-      <dgm:prSet presAssocID="{33794474-C107-4BA7-B9A8-CEA0F422D211}" presName="composite3" presStyleCnt="0"/>
-      <dgm:spPr/>
-    </dgm:pt>
-    <dgm:pt modelId="{D72A7D99-7F40-463C-8956-D3AD6181307A}" type="pres">
-      <dgm:prSet presAssocID="{33794474-C107-4BA7-B9A8-CEA0F422D211}" presName="background3" presStyleLbl="node3" presStyleIdx="1" presStyleCnt="9"/>
-      <dgm:spPr/>
-    </dgm:pt>
-    <dgm:pt modelId="{F28F3A04-CC50-4152-BBA8-5BC1F149C29B}" type="pres">
-      <dgm:prSet presAssocID="{33794474-C107-4BA7-B9A8-CEA0F422D211}" presName="text3" presStyleLbl="fgAcc3" presStyleIdx="1" presStyleCnt="9" custLinFactNeighborX="41" custLinFactNeighborY="4566">
-        <dgm:presLayoutVars>
-          <dgm:chPref val="3"/>
-        </dgm:presLayoutVars>
-      </dgm:prSet>
+    <dgm:pt modelId="{84AE09C0-97CE-4EEC-A1CC-4C424A5737CE}" type="pres">
+      <dgm:prSet presAssocID="{33794474-C107-4BA7-B9A8-CEA0F422D211}" presName="hierChild4" presStyleCnt="0"/>
+      <dgm:spPr/>
+    </dgm:pt>
+    <dgm:pt modelId="{585289C4-1159-4AC9-A9CC-3915121CAAF3}" type="pres">
+      <dgm:prSet presAssocID="{EA3B474D-3400-4570-AD1A-49C6DA4B15FB}" presName="Name17" presStyleLbl="parChTrans1D3" presStyleIdx="2" presStyleCnt="9"/>
       <dgm:spPr/>
       <dgm:t>
         <a:bodyPr/>
@@ -1801,14 +1744,6 @@
         </a:p>
       </dgm:t>
     </dgm:pt>
-    <dgm:pt modelId="{84AE09C0-97CE-4EEC-A1CC-4C424A5737CE}" type="pres">
-      <dgm:prSet presAssocID="{33794474-C107-4BA7-B9A8-CEA0F422D211}" presName="hierChild4" presStyleCnt="0"/>
-      <dgm:spPr/>
-    </dgm:pt>
-    <dgm:pt modelId="{585289C4-1159-4AC9-A9CC-3915121CAAF3}" type="pres">
-      <dgm:prSet presAssocID="{EA3B474D-3400-4570-AD1A-49C6DA4B15FB}" presName="Name17" presStyleLbl="parChTrans1D3" presStyleIdx="2" presStyleCnt="9"/>
-      <dgm:spPr/>
-    </dgm:pt>
     <dgm:pt modelId="{75F8A0EF-85CD-4C7A-B76D-798D901EB7C4}" type="pres">
       <dgm:prSet presAssocID="{2BFDE5C2-0684-4737-B50D-BA2C1573BD6C}" presName="hierRoot3" presStyleCnt="0"/>
       <dgm:spPr/>
@@ -1841,7 +1776,7 @@
       <dgm:spPr/>
     </dgm:pt>
     <dgm:pt modelId="{EA4B8207-4681-4233-8913-7143817878B6}" type="pres">
-      <dgm:prSet presAssocID="{264B78ED-595B-47A6-A3A1-066C4831C9C0}" presName="Name10" presStyleLbl="parChTrans1D2" presStyleIdx="3" presStyleCnt="7"/>
+      <dgm:prSet presAssocID="{264B78ED-595B-47A6-A3A1-066C4831C9C0}" presName="Name10" presStyleLbl="parChTrans1D2" presStyleIdx="2" presStyleCnt="6"/>
       <dgm:spPr/>
       <dgm:t>
         <a:bodyPr/>
@@ -1860,11 +1795,11 @@
       <dgm:spPr/>
     </dgm:pt>
     <dgm:pt modelId="{E7BA65C3-E9F2-458F-8433-E7E28E16007D}" type="pres">
-      <dgm:prSet presAssocID="{CD9D7BA5-047D-4826-836E-FD5D2B40EDFA}" presName="background2" presStyleLbl="node2" presStyleIdx="3" presStyleCnt="7"/>
+      <dgm:prSet presAssocID="{CD9D7BA5-047D-4826-836E-FD5D2B40EDFA}" presName="background2" presStyleLbl="node2" presStyleIdx="2" presStyleCnt="6"/>
       <dgm:spPr/>
     </dgm:pt>
     <dgm:pt modelId="{39CB466C-06C8-41DF-B055-1FBEE94B1770}" type="pres">
-      <dgm:prSet presAssocID="{CD9D7BA5-047D-4826-836E-FD5D2B40EDFA}" presName="text2" presStyleLbl="fgAcc2" presStyleIdx="3" presStyleCnt="7">
+      <dgm:prSet presAssocID="{CD9D7BA5-047D-4826-836E-FD5D2B40EDFA}" presName="text2" presStyleLbl="fgAcc2" presStyleIdx="2" presStyleCnt="6">
         <dgm:presLayoutVars>
           <dgm:chPref val="3"/>
         </dgm:presLayoutVars>
@@ -1969,26 +1904,6 @@
     <dgm:pt modelId="{17F7F520-6C10-4DC1-9B49-C3C170B1245B}" type="pres">
       <dgm:prSet presAssocID="{89810288-8E96-4DEB-89AA-F197AA99EB0F}" presName="Name23" presStyleLbl="parChTrans1D4" presStyleIdx="0" presStyleCnt="1"/>
       <dgm:spPr/>
-    </dgm:pt>
-    <dgm:pt modelId="{4A1BF210-15C0-427F-90D5-E6E02B7F822D}" type="pres">
-      <dgm:prSet presAssocID="{CA1BC33F-204B-4438-8259-CFEB20CF3A52}" presName="hierRoot4" presStyleCnt="0"/>
-      <dgm:spPr/>
-    </dgm:pt>
-    <dgm:pt modelId="{BD3CE86D-2B0D-47B0-98AD-5E5F75198A76}" type="pres">
-      <dgm:prSet presAssocID="{CA1BC33F-204B-4438-8259-CFEB20CF3A52}" presName="composite4" presStyleCnt="0"/>
-      <dgm:spPr/>
-    </dgm:pt>
-    <dgm:pt modelId="{EA440C0C-63BD-4F3C-A198-6D6B563883DB}" type="pres">
-      <dgm:prSet presAssocID="{CA1BC33F-204B-4438-8259-CFEB20CF3A52}" presName="background4" presStyleLbl="node4" presStyleIdx="0" presStyleCnt="1"/>
-      <dgm:spPr/>
-    </dgm:pt>
-    <dgm:pt modelId="{FE060399-013C-471F-924F-DEC89F3DFD88}" type="pres">
-      <dgm:prSet presAssocID="{CA1BC33F-204B-4438-8259-CFEB20CF3A52}" presName="text4" presStyleLbl="fgAcc4" presStyleIdx="0" presStyleCnt="1">
-        <dgm:presLayoutVars>
-          <dgm:chPref val="3"/>
-        </dgm:presLayoutVars>
-      </dgm:prSet>
-      <dgm:spPr/>
       <dgm:t>
         <a:bodyPr/>
         <a:lstStyle/>
@@ -1997,12 +1912,24 @@
         </a:p>
       </dgm:t>
     </dgm:pt>
-    <dgm:pt modelId="{41827153-D947-43C3-9CEE-0081FA3283BF}" type="pres">
-      <dgm:prSet presAssocID="{CA1BC33F-204B-4438-8259-CFEB20CF3A52}" presName="hierChild5" presStyleCnt="0"/>
-      <dgm:spPr/>
-    </dgm:pt>
-    <dgm:pt modelId="{A08D3F52-2AF3-49B9-8B17-86E8F1031CF4}" type="pres">
-      <dgm:prSet presAssocID="{E84A2658-11F7-4335-886C-9007D6AE925F}" presName="Name17" presStyleLbl="parChTrans1D3" presStyleIdx="5" presStyleCnt="9"/>
+    <dgm:pt modelId="{4A1BF210-15C0-427F-90D5-E6E02B7F822D}" type="pres">
+      <dgm:prSet presAssocID="{CA1BC33F-204B-4438-8259-CFEB20CF3A52}" presName="hierRoot4" presStyleCnt="0"/>
+      <dgm:spPr/>
+    </dgm:pt>
+    <dgm:pt modelId="{BD3CE86D-2B0D-47B0-98AD-5E5F75198A76}" type="pres">
+      <dgm:prSet presAssocID="{CA1BC33F-204B-4438-8259-CFEB20CF3A52}" presName="composite4" presStyleCnt="0"/>
+      <dgm:spPr/>
+    </dgm:pt>
+    <dgm:pt modelId="{EA440C0C-63BD-4F3C-A198-6D6B563883DB}" type="pres">
+      <dgm:prSet presAssocID="{CA1BC33F-204B-4438-8259-CFEB20CF3A52}" presName="background4" presStyleLbl="node4" presStyleIdx="0" presStyleCnt="1"/>
+      <dgm:spPr/>
+    </dgm:pt>
+    <dgm:pt modelId="{FE060399-013C-471F-924F-DEC89F3DFD88}" type="pres">
+      <dgm:prSet presAssocID="{CA1BC33F-204B-4438-8259-CFEB20CF3A52}" presName="text4" presStyleLbl="fgAcc4" presStyleIdx="0" presStyleCnt="1">
+        <dgm:presLayoutVars>
+          <dgm:chPref val="3"/>
+        </dgm:presLayoutVars>
+      </dgm:prSet>
       <dgm:spPr/>
       <dgm:t>
         <a:bodyPr/>
@@ -2012,24 +1939,12 @@
         </a:p>
       </dgm:t>
     </dgm:pt>
-    <dgm:pt modelId="{D108FF41-C23E-443C-8B79-CF79D74EF57D}" type="pres">
-      <dgm:prSet presAssocID="{93E9946A-3290-4388-BEB7-C1E298DF2286}" presName="hierRoot3" presStyleCnt="0"/>
-      <dgm:spPr/>
-    </dgm:pt>
-    <dgm:pt modelId="{E8D4EF38-4110-4A30-A629-27EAE3B0A7DE}" type="pres">
-      <dgm:prSet presAssocID="{93E9946A-3290-4388-BEB7-C1E298DF2286}" presName="composite3" presStyleCnt="0"/>
-      <dgm:spPr/>
-    </dgm:pt>
-    <dgm:pt modelId="{320D0201-221C-4A96-B759-0D3C07FBF93D}" type="pres">
-      <dgm:prSet presAssocID="{93E9946A-3290-4388-BEB7-C1E298DF2286}" presName="background3" presStyleLbl="node3" presStyleIdx="5" presStyleCnt="9"/>
-      <dgm:spPr/>
-    </dgm:pt>
-    <dgm:pt modelId="{53567BA6-68A2-46C6-85B9-0ED70F93207F}" type="pres">
-      <dgm:prSet presAssocID="{93E9946A-3290-4388-BEB7-C1E298DF2286}" presName="text3" presStyleLbl="fgAcc3" presStyleIdx="5" presStyleCnt="9">
-        <dgm:presLayoutVars>
-          <dgm:chPref val="3"/>
-        </dgm:presLayoutVars>
-      </dgm:prSet>
+    <dgm:pt modelId="{41827153-D947-43C3-9CEE-0081FA3283BF}" type="pres">
+      <dgm:prSet presAssocID="{CA1BC33F-204B-4438-8259-CFEB20CF3A52}" presName="hierChild5" presStyleCnt="0"/>
+      <dgm:spPr/>
+    </dgm:pt>
+    <dgm:pt modelId="{A08D3F52-2AF3-49B9-8B17-86E8F1031CF4}" type="pres">
+      <dgm:prSet presAssocID="{E84A2658-11F7-4335-886C-9007D6AE925F}" presName="Name17" presStyleLbl="parChTrans1D3" presStyleIdx="5" presStyleCnt="9"/>
       <dgm:spPr/>
       <dgm:t>
         <a:bodyPr/>
@@ -2039,12 +1954,24 @@
         </a:p>
       </dgm:t>
     </dgm:pt>
-    <dgm:pt modelId="{2B0815D5-FC1B-48FC-BC4D-AEBC7EB196C0}" type="pres">
-      <dgm:prSet presAssocID="{93E9946A-3290-4388-BEB7-C1E298DF2286}" presName="hierChild4" presStyleCnt="0"/>
-      <dgm:spPr/>
-    </dgm:pt>
-    <dgm:pt modelId="{873218BE-B7D0-434F-A2F0-8EB777A887E8}" type="pres">
-      <dgm:prSet presAssocID="{15C52AFC-7693-463E-8A68-2064D495A8A2}" presName="Name17" presStyleLbl="parChTrans1D3" presStyleIdx="6" presStyleCnt="9"/>
+    <dgm:pt modelId="{D108FF41-C23E-443C-8B79-CF79D74EF57D}" type="pres">
+      <dgm:prSet presAssocID="{93E9946A-3290-4388-BEB7-C1E298DF2286}" presName="hierRoot3" presStyleCnt="0"/>
+      <dgm:spPr/>
+    </dgm:pt>
+    <dgm:pt modelId="{E8D4EF38-4110-4A30-A629-27EAE3B0A7DE}" type="pres">
+      <dgm:prSet presAssocID="{93E9946A-3290-4388-BEB7-C1E298DF2286}" presName="composite3" presStyleCnt="0"/>
+      <dgm:spPr/>
+    </dgm:pt>
+    <dgm:pt modelId="{320D0201-221C-4A96-B759-0D3C07FBF93D}" type="pres">
+      <dgm:prSet presAssocID="{93E9946A-3290-4388-BEB7-C1E298DF2286}" presName="background3" presStyleLbl="node3" presStyleIdx="5" presStyleCnt="9"/>
+      <dgm:spPr/>
+    </dgm:pt>
+    <dgm:pt modelId="{53567BA6-68A2-46C6-85B9-0ED70F93207F}" type="pres">
+      <dgm:prSet presAssocID="{93E9946A-3290-4388-BEB7-C1E298DF2286}" presName="text3" presStyleLbl="fgAcc3" presStyleIdx="5" presStyleCnt="9">
+        <dgm:presLayoutVars>
+          <dgm:chPref val="3"/>
+        </dgm:presLayoutVars>
+      </dgm:prSet>
       <dgm:spPr/>
       <dgm:t>
         <a:bodyPr/>
@@ -2054,24 +1981,12 @@
         </a:p>
       </dgm:t>
     </dgm:pt>
-    <dgm:pt modelId="{780EF773-0957-4093-937B-D9C741323B3B}" type="pres">
-      <dgm:prSet presAssocID="{07FF5B4D-509C-4575-A4FE-80EB7253DB40}" presName="hierRoot3" presStyleCnt="0"/>
-      <dgm:spPr/>
-    </dgm:pt>
-    <dgm:pt modelId="{66FE03BD-B1C5-4E46-A9A0-BD85CC7EEB4F}" type="pres">
-      <dgm:prSet presAssocID="{07FF5B4D-509C-4575-A4FE-80EB7253DB40}" presName="composite3" presStyleCnt="0"/>
-      <dgm:spPr/>
-    </dgm:pt>
-    <dgm:pt modelId="{E6C9A335-B9FC-4E4B-833B-8F9AF1CF8E1D}" type="pres">
-      <dgm:prSet presAssocID="{07FF5B4D-509C-4575-A4FE-80EB7253DB40}" presName="background3" presStyleLbl="node3" presStyleIdx="6" presStyleCnt="9"/>
-      <dgm:spPr/>
-    </dgm:pt>
-    <dgm:pt modelId="{F334C127-0419-4F7B-977E-CF00D2E7A2C0}" type="pres">
-      <dgm:prSet presAssocID="{07FF5B4D-509C-4575-A4FE-80EB7253DB40}" presName="text3" presStyleLbl="fgAcc3" presStyleIdx="6" presStyleCnt="9">
-        <dgm:presLayoutVars>
-          <dgm:chPref val="3"/>
-        </dgm:presLayoutVars>
-      </dgm:prSet>
+    <dgm:pt modelId="{2B0815D5-FC1B-48FC-BC4D-AEBC7EB196C0}" type="pres">
+      <dgm:prSet presAssocID="{93E9946A-3290-4388-BEB7-C1E298DF2286}" presName="hierChild4" presStyleCnt="0"/>
+      <dgm:spPr/>
+    </dgm:pt>
+    <dgm:pt modelId="{873218BE-B7D0-434F-A2F0-8EB777A887E8}" type="pres">
+      <dgm:prSet presAssocID="{15C52AFC-7693-463E-8A68-2064D495A8A2}" presName="Name17" presStyleLbl="parChTrans1D3" presStyleIdx="6" presStyleCnt="9"/>
       <dgm:spPr/>
       <dgm:t>
         <a:bodyPr/>
@@ -2081,28 +1996,20 @@
         </a:p>
       </dgm:t>
     </dgm:pt>
-    <dgm:pt modelId="{6CDC3B19-BF4B-4A52-9010-8B9847B87018}" type="pres">
-      <dgm:prSet presAssocID="{07FF5B4D-509C-4575-A4FE-80EB7253DB40}" presName="hierChild4" presStyleCnt="0"/>
-      <dgm:spPr/>
-    </dgm:pt>
-    <dgm:pt modelId="{A5966DAA-F232-4683-AA98-D583D7FF11C8}" type="pres">
-      <dgm:prSet presAssocID="{AF279C68-2D6B-4A9D-B4F2-5C189A25E1DA}" presName="Name10" presStyleLbl="parChTrans1D2" presStyleIdx="4" presStyleCnt="7"/>
-      <dgm:spPr/>
-    </dgm:pt>
-    <dgm:pt modelId="{18C7E2DD-A92E-4A40-868B-2CE125370BA4}" type="pres">
-      <dgm:prSet presAssocID="{3FAD710D-F28F-413C-B80B-848AE75A32C1}" presName="hierRoot2" presStyleCnt="0"/>
-      <dgm:spPr/>
-    </dgm:pt>
-    <dgm:pt modelId="{A2EA088D-7E9C-45AD-B0A7-36193B853641}" type="pres">
-      <dgm:prSet presAssocID="{3FAD710D-F28F-413C-B80B-848AE75A32C1}" presName="composite2" presStyleCnt="0"/>
-      <dgm:spPr/>
-    </dgm:pt>
-    <dgm:pt modelId="{8627282E-C823-4A97-95C9-D8E317FF48B7}" type="pres">
-      <dgm:prSet presAssocID="{3FAD710D-F28F-413C-B80B-848AE75A32C1}" presName="background2" presStyleLbl="node2" presStyleIdx="4" presStyleCnt="7"/>
-      <dgm:spPr/>
-    </dgm:pt>
-    <dgm:pt modelId="{C7CBE0D8-703E-4096-839E-07227D10DA39}" type="pres">
-      <dgm:prSet presAssocID="{3FAD710D-F28F-413C-B80B-848AE75A32C1}" presName="text2" presStyleLbl="fgAcc2" presStyleIdx="4" presStyleCnt="7">
+    <dgm:pt modelId="{780EF773-0957-4093-937B-D9C741323B3B}" type="pres">
+      <dgm:prSet presAssocID="{07FF5B4D-509C-4575-A4FE-80EB7253DB40}" presName="hierRoot3" presStyleCnt="0"/>
+      <dgm:spPr/>
+    </dgm:pt>
+    <dgm:pt modelId="{66FE03BD-B1C5-4E46-A9A0-BD85CC7EEB4F}" type="pres">
+      <dgm:prSet presAssocID="{07FF5B4D-509C-4575-A4FE-80EB7253DB40}" presName="composite3" presStyleCnt="0"/>
+      <dgm:spPr/>
+    </dgm:pt>
+    <dgm:pt modelId="{E6C9A335-B9FC-4E4B-833B-8F9AF1CF8E1D}" type="pres">
+      <dgm:prSet presAssocID="{07FF5B4D-509C-4575-A4FE-80EB7253DB40}" presName="background3" presStyleLbl="node3" presStyleIdx="6" presStyleCnt="9"/>
+      <dgm:spPr/>
+    </dgm:pt>
+    <dgm:pt modelId="{F334C127-0419-4F7B-977E-CF00D2E7A2C0}" type="pres">
+      <dgm:prSet presAssocID="{07FF5B4D-509C-4575-A4FE-80EB7253DB40}" presName="text3" presStyleLbl="fgAcc3" presStyleIdx="6" presStyleCnt="9">
         <dgm:presLayoutVars>
           <dgm:chPref val="3"/>
         </dgm:presLayoutVars>
@@ -2116,32 +2023,12 @@
         </a:p>
       </dgm:t>
     </dgm:pt>
-    <dgm:pt modelId="{40311FD3-0A19-425C-ABC1-DAF838BA957D}" type="pres">
-      <dgm:prSet presAssocID="{3FAD710D-F28F-413C-B80B-848AE75A32C1}" presName="hierChild3" presStyleCnt="0"/>
-      <dgm:spPr/>
-    </dgm:pt>
-    <dgm:pt modelId="{4C40F0C6-CD70-4A17-A19F-972374BF28BD}" type="pres">
-      <dgm:prSet presAssocID="{4CE916A2-FA46-4476-A1AF-9EB44CFCA01A}" presName="Name17" presStyleLbl="parChTrans1D3" presStyleIdx="7" presStyleCnt="9"/>
-      <dgm:spPr/>
-    </dgm:pt>
-    <dgm:pt modelId="{F853C81B-BB99-440A-8FF4-41BA2F107C2E}" type="pres">
-      <dgm:prSet presAssocID="{544D5BC0-A82E-40A9-9C9A-6BC8E24B51E0}" presName="hierRoot3" presStyleCnt="0"/>
-      <dgm:spPr/>
-    </dgm:pt>
-    <dgm:pt modelId="{3B8F6F46-21FA-4171-A8E6-48C3D62A854D}" type="pres">
-      <dgm:prSet presAssocID="{544D5BC0-A82E-40A9-9C9A-6BC8E24B51E0}" presName="composite3" presStyleCnt="0"/>
-      <dgm:spPr/>
-    </dgm:pt>
-    <dgm:pt modelId="{9CD4441F-E9D2-4025-99E6-22DB7BF3132C}" type="pres">
-      <dgm:prSet presAssocID="{544D5BC0-A82E-40A9-9C9A-6BC8E24B51E0}" presName="background3" presStyleLbl="node3" presStyleIdx="7" presStyleCnt="9"/>
-      <dgm:spPr/>
-    </dgm:pt>
-    <dgm:pt modelId="{E481CE57-9B81-4DE8-87D1-D823850ED356}" type="pres">
-      <dgm:prSet presAssocID="{544D5BC0-A82E-40A9-9C9A-6BC8E24B51E0}" presName="text3" presStyleLbl="fgAcc3" presStyleIdx="7" presStyleCnt="9">
-        <dgm:presLayoutVars>
-          <dgm:chPref val="3"/>
-        </dgm:presLayoutVars>
-      </dgm:prSet>
+    <dgm:pt modelId="{6CDC3B19-BF4B-4A52-9010-8B9847B87018}" type="pres">
+      <dgm:prSet presAssocID="{07FF5B4D-509C-4575-A4FE-80EB7253DB40}" presName="hierChild4" presStyleCnt="0"/>
+      <dgm:spPr/>
+    </dgm:pt>
+    <dgm:pt modelId="{A5966DAA-F232-4683-AA98-D583D7FF11C8}" type="pres">
+      <dgm:prSet presAssocID="{AF279C68-2D6B-4A9D-B4F2-5C189A25E1DA}" presName="Name10" presStyleLbl="parChTrans1D2" presStyleIdx="3" presStyleCnt="6"/>
       <dgm:spPr/>
       <dgm:t>
         <a:bodyPr/>
@@ -2151,28 +2038,20 @@
         </a:p>
       </dgm:t>
     </dgm:pt>
-    <dgm:pt modelId="{A9942A1C-59CA-4219-8B10-3CAA165D4B60}" type="pres">
-      <dgm:prSet presAssocID="{544D5BC0-A82E-40A9-9C9A-6BC8E24B51E0}" presName="hierChild4" presStyleCnt="0"/>
-      <dgm:spPr/>
-    </dgm:pt>
-    <dgm:pt modelId="{B7C955BB-6D33-4447-9002-7177AB112A8D}" type="pres">
-      <dgm:prSet presAssocID="{E8835FF5-4722-456D-9E0D-1037BC81509D}" presName="Name17" presStyleLbl="parChTrans1D3" presStyleIdx="8" presStyleCnt="9"/>
-      <dgm:spPr/>
-    </dgm:pt>
-    <dgm:pt modelId="{F744FE32-1F59-4A6E-B8C2-A5CE3D57C746}" type="pres">
-      <dgm:prSet presAssocID="{C3A8B59C-CF34-4859-9CBB-BB0DF76F281F}" presName="hierRoot3" presStyleCnt="0"/>
-      <dgm:spPr/>
-    </dgm:pt>
-    <dgm:pt modelId="{39CFF056-393E-404E-8A90-05D36E7FB126}" type="pres">
-      <dgm:prSet presAssocID="{C3A8B59C-CF34-4859-9CBB-BB0DF76F281F}" presName="composite3" presStyleCnt="0"/>
-      <dgm:spPr/>
-    </dgm:pt>
-    <dgm:pt modelId="{DB23EC0A-7441-452E-988B-01508BCECC76}" type="pres">
-      <dgm:prSet presAssocID="{C3A8B59C-CF34-4859-9CBB-BB0DF76F281F}" presName="background3" presStyleLbl="node3" presStyleIdx="8" presStyleCnt="9"/>
-      <dgm:spPr/>
-    </dgm:pt>
-    <dgm:pt modelId="{51981AFD-BCCA-40EB-ACFF-790A39BB7CDD}" type="pres">
-      <dgm:prSet presAssocID="{C3A8B59C-CF34-4859-9CBB-BB0DF76F281F}" presName="text3" presStyleLbl="fgAcc3" presStyleIdx="8" presStyleCnt="9">
+    <dgm:pt modelId="{18C7E2DD-A92E-4A40-868B-2CE125370BA4}" type="pres">
+      <dgm:prSet presAssocID="{3FAD710D-F28F-413C-B80B-848AE75A32C1}" presName="hierRoot2" presStyleCnt="0"/>
+      <dgm:spPr/>
+    </dgm:pt>
+    <dgm:pt modelId="{A2EA088D-7E9C-45AD-B0A7-36193B853641}" type="pres">
+      <dgm:prSet presAssocID="{3FAD710D-F28F-413C-B80B-848AE75A32C1}" presName="composite2" presStyleCnt="0"/>
+      <dgm:spPr/>
+    </dgm:pt>
+    <dgm:pt modelId="{8627282E-C823-4A97-95C9-D8E317FF48B7}" type="pres">
+      <dgm:prSet presAssocID="{3FAD710D-F28F-413C-B80B-848AE75A32C1}" presName="background2" presStyleLbl="node2" presStyleIdx="3" presStyleCnt="6"/>
+      <dgm:spPr/>
+    </dgm:pt>
+    <dgm:pt modelId="{C7CBE0D8-703E-4096-839E-07227D10DA39}" type="pres">
+      <dgm:prSet presAssocID="{3FAD710D-F28F-413C-B80B-848AE75A32C1}" presName="text2" presStyleLbl="fgAcc2" presStyleIdx="3" presStyleCnt="6">
         <dgm:presLayoutVars>
           <dgm:chPref val="3"/>
         </dgm:presLayoutVars>
@@ -2186,12 +2065,12 @@
         </a:p>
       </dgm:t>
     </dgm:pt>
-    <dgm:pt modelId="{46B3A6F9-DBC1-4338-82D6-C2A4A46B65A5}" type="pres">
-      <dgm:prSet presAssocID="{C3A8B59C-CF34-4859-9CBB-BB0DF76F281F}" presName="hierChild4" presStyleCnt="0"/>
-      <dgm:spPr/>
-    </dgm:pt>
-    <dgm:pt modelId="{311410C7-2896-4D5A-9B6B-F3CC8B8578A9}" type="pres">
-      <dgm:prSet presAssocID="{1912E5D4-7925-4A75-A232-922D1879421B}" presName="Name10" presStyleLbl="parChTrans1D2" presStyleIdx="5" presStyleCnt="7"/>
+    <dgm:pt modelId="{40311FD3-0A19-425C-ABC1-DAF838BA957D}" type="pres">
+      <dgm:prSet presAssocID="{3FAD710D-F28F-413C-B80B-848AE75A32C1}" presName="hierChild3" presStyleCnt="0"/>
+      <dgm:spPr/>
+    </dgm:pt>
+    <dgm:pt modelId="{4C40F0C6-CD70-4A17-A19F-972374BF28BD}" type="pres">
+      <dgm:prSet presAssocID="{4CE916A2-FA46-4476-A1AF-9EB44CFCA01A}" presName="Name17" presStyleLbl="parChTrans1D3" presStyleIdx="7" presStyleCnt="9"/>
       <dgm:spPr/>
       <dgm:t>
         <a:bodyPr/>
@@ -2201,20 +2080,20 @@
         </a:p>
       </dgm:t>
     </dgm:pt>
-    <dgm:pt modelId="{4A01245A-6D49-4809-B923-78070059EFD5}" type="pres">
-      <dgm:prSet presAssocID="{4419CA23-21D8-4A5B-8557-9E67CF17B861}" presName="hierRoot2" presStyleCnt="0"/>
-      <dgm:spPr/>
-    </dgm:pt>
-    <dgm:pt modelId="{3C08C395-E7C2-49E9-B377-E6D4FFCE1EEE}" type="pres">
-      <dgm:prSet presAssocID="{4419CA23-21D8-4A5B-8557-9E67CF17B861}" presName="composite2" presStyleCnt="0"/>
-      <dgm:spPr/>
-    </dgm:pt>
-    <dgm:pt modelId="{0868834C-B8F1-4844-B744-5B900BC52607}" type="pres">
-      <dgm:prSet presAssocID="{4419CA23-21D8-4A5B-8557-9E67CF17B861}" presName="background2" presStyleLbl="node2" presStyleIdx="5" presStyleCnt="7"/>
-      <dgm:spPr/>
-    </dgm:pt>
-    <dgm:pt modelId="{A964D597-B3AA-4919-BE97-10C339007B87}" type="pres">
-      <dgm:prSet presAssocID="{4419CA23-21D8-4A5B-8557-9E67CF17B861}" presName="text2" presStyleLbl="fgAcc2" presStyleIdx="5" presStyleCnt="7">
+    <dgm:pt modelId="{F853C81B-BB99-440A-8FF4-41BA2F107C2E}" type="pres">
+      <dgm:prSet presAssocID="{544D5BC0-A82E-40A9-9C9A-6BC8E24B51E0}" presName="hierRoot3" presStyleCnt="0"/>
+      <dgm:spPr/>
+    </dgm:pt>
+    <dgm:pt modelId="{3B8F6F46-21FA-4171-A8E6-48C3D62A854D}" type="pres">
+      <dgm:prSet presAssocID="{544D5BC0-A82E-40A9-9C9A-6BC8E24B51E0}" presName="composite3" presStyleCnt="0"/>
+      <dgm:spPr/>
+    </dgm:pt>
+    <dgm:pt modelId="{9CD4441F-E9D2-4025-99E6-22DB7BF3132C}" type="pres">
+      <dgm:prSet presAssocID="{544D5BC0-A82E-40A9-9C9A-6BC8E24B51E0}" presName="background3" presStyleLbl="node3" presStyleIdx="7" presStyleCnt="9"/>
+      <dgm:spPr/>
+    </dgm:pt>
+    <dgm:pt modelId="{E481CE57-9B81-4DE8-87D1-D823850ED356}" type="pres">
+      <dgm:prSet presAssocID="{544D5BC0-A82E-40A9-9C9A-6BC8E24B51E0}" presName="text3" presStyleLbl="fgAcc3" presStyleIdx="7" presStyleCnt="9">
         <dgm:presLayoutVars>
           <dgm:chPref val="3"/>
         </dgm:presLayoutVars>
@@ -2228,12 +2107,12 @@
         </a:p>
       </dgm:t>
     </dgm:pt>
-    <dgm:pt modelId="{F41CBB0A-E12A-4EAA-99BE-3D963EE44BFD}" type="pres">
-      <dgm:prSet presAssocID="{4419CA23-21D8-4A5B-8557-9E67CF17B861}" presName="hierChild3" presStyleCnt="0"/>
-      <dgm:spPr/>
-    </dgm:pt>
-    <dgm:pt modelId="{0D2281D5-9063-43D9-A052-FE2B135EDDF2}" type="pres">
-      <dgm:prSet presAssocID="{7F4142E6-5CE0-47F9-9E7B-3348DD26EBE4}" presName="Name10" presStyleLbl="parChTrans1D2" presStyleIdx="6" presStyleCnt="7"/>
+    <dgm:pt modelId="{A9942A1C-59CA-4219-8B10-3CAA165D4B60}" type="pres">
+      <dgm:prSet presAssocID="{544D5BC0-A82E-40A9-9C9A-6BC8E24B51E0}" presName="hierChild4" presStyleCnt="0"/>
+      <dgm:spPr/>
+    </dgm:pt>
+    <dgm:pt modelId="{B7C955BB-6D33-4447-9002-7177AB112A8D}" type="pres">
+      <dgm:prSet presAssocID="{E8835FF5-4722-456D-9E0D-1037BC81509D}" presName="Name17" presStyleLbl="parChTrans1D3" presStyleIdx="8" presStyleCnt="9"/>
       <dgm:spPr/>
       <dgm:t>
         <a:bodyPr/>
@@ -2243,6 +2122,90 @@
         </a:p>
       </dgm:t>
     </dgm:pt>
+    <dgm:pt modelId="{F744FE32-1F59-4A6E-B8C2-A5CE3D57C746}" type="pres">
+      <dgm:prSet presAssocID="{C3A8B59C-CF34-4859-9CBB-BB0DF76F281F}" presName="hierRoot3" presStyleCnt="0"/>
+      <dgm:spPr/>
+    </dgm:pt>
+    <dgm:pt modelId="{39CFF056-393E-404E-8A90-05D36E7FB126}" type="pres">
+      <dgm:prSet presAssocID="{C3A8B59C-CF34-4859-9CBB-BB0DF76F281F}" presName="composite3" presStyleCnt="0"/>
+      <dgm:spPr/>
+    </dgm:pt>
+    <dgm:pt modelId="{DB23EC0A-7441-452E-988B-01508BCECC76}" type="pres">
+      <dgm:prSet presAssocID="{C3A8B59C-CF34-4859-9CBB-BB0DF76F281F}" presName="background3" presStyleLbl="node3" presStyleIdx="8" presStyleCnt="9"/>
+      <dgm:spPr/>
+    </dgm:pt>
+    <dgm:pt modelId="{51981AFD-BCCA-40EB-ACFF-790A39BB7CDD}" type="pres">
+      <dgm:prSet presAssocID="{C3A8B59C-CF34-4859-9CBB-BB0DF76F281F}" presName="text3" presStyleLbl="fgAcc3" presStyleIdx="8" presStyleCnt="9">
+        <dgm:presLayoutVars>
+          <dgm:chPref val="3"/>
+        </dgm:presLayoutVars>
+      </dgm:prSet>
+      <dgm:spPr/>
+      <dgm:t>
+        <a:bodyPr/>
+        <a:lstStyle/>
+        <a:p>
+          <a:endParaRPr lang="en-PH"/>
+        </a:p>
+      </dgm:t>
+    </dgm:pt>
+    <dgm:pt modelId="{46B3A6F9-DBC1-4338-82D6-C2A4A46B65A5}" type="pres">
+      <dgm:prSet presAssocID="{C3A8B59C-CF34-4859-9CBB-BB0DF76F281F}" presName="hierChild4" presStyleCnt="0"/>
+      <dgm:spPr/>
+    </dgm:pt>
+    <dgm:pt modelId="{311410C7-2896-4D5A-9B6B-F3CC8B8578A9}" type="pres">
+      <dgm:prSet presAssocID="{1912E5D4-7925-4A75-A232-922D1879421B}" presName="Name10" presStyleLbl="parChTrans1D2" presStyleIdx="4" presStyleCnt="6"/>
+      <dgm:spPr/>
+      <dgm:t>
+        <a:bodyPr/>
+        <a:lstStyle/>
+        <a:p>
+          <a:endParaRPr lang="en-PH"/>
+        </a:p>
+      </dgm:t>
+    </dgm:pt>
+    <dgm:pt modelId="{4A01245A-6D49-4809-B923-78070059EFD5}" type="pres">
+      <dgm:prSet presAssocID="{4419CA23-21D8-4A5B-8557-9E67CF17B861}" presName="hierRoot2" presStyleCnt="0"/>
+      <dgm:spPr/>
+    </dgm:pt>
+    <dgm:pt modelId="{3C08C395-E7C2-49E9-B377-E6D4FFCE1EEE}" type="pres">
+      <dgm:prSet presAssocID="{4419CA23-21D8-4A5B-8557-9E67CF17B861}" presName="composite2" presStyleCnt="0"/>
+      <dgm:spPr/>
+    </dgm:pt>
+    <dgm:pt modelId="{0868834C-B8F1-4844-B744-5B900BC52607}" type="pres">
+      <dgm:prSet presAssocID="{4419CA23-21D8-4A5B-8557-9E67CF17B861}" presName="background2" presStyleLbl="node2" presStyleIdx="4" presStyleCnt="6"/>
+      <dgm:spPr/>
+    </dgm:pt>
+    <dgm:pt modelId="{A964D597-B3AA-4919-BE97-10C339007B87}" type="pres">
+      <dgm:prSet presAssocID="{4419CA23-21D8-4A5B-8557-9E67CF17B861}" presName="text2" presStyleLbl="fgAcc2" presStyleIdx="4" presStyleCnt="6">
+        <dgm:presLayoutVars>
+          <dgm:chPref val="3"/>
+        </dgm:presLayoutVars>
+      </dgm:prSet>
+      <dgm:spPr/>
+      <dgm:t>
+        <a:bodyPr/>
+        <a:lstStyle/>
+        <a:p>
+          <a:endParaRPr lang="en-PH"/>
+        </a:p>
+      </dgm:t>
+    </dgm:pt>
+    <dgm:pt modelId="{F41CBB0A-E12A-4EAA-99BE-3D963EE44BFD}" type="pres">
+      <dgm:prSet presAssocID="{4419CA23-21D8-4A5B-8557-9E67CF17B861}" presName="hierChild3" presStyleCnt="0"/>
+      <dgm:spPr/>
+    </dgm:pt>
+    <dgm:pt modelId="{0D2281D5-9063-43D9-A052-FE2B135EDDF2}" type="pres">
+      <dgm:prSet presAssocID="{7F4142E6-5CE0-47F9-9E7B-3348DD26EBE4}" presName="Name10" presStyleLbl="parChTrans1D2" presStyleIdx="5" presStyleCnt="6"/>
+      <dgm:spPr/>
+      <dgm:t>
+        <a:bodyPr/>
+        <a:lstStyle/>
+        <a:p>
+          <a:endParaRPr lang="en-PH"/>
+        </a:p>
+      </dgm:t>
+    </dgm:pt>
     <dgm:pt modelId="{090BB8B5-CFA5-4F27-8E75-D435CB96A9AF}" type="pres">
       <dgm:prSet presAssocID="{05C623EA-C139-477C-A001-0175DB33F401}" presName="hierRoot2" presStyleCnt="0"/>
       <dgm:spPr/>
@@ -2252,11 +2215,11 @@
       <dgm:spPr/>
     </dgm:pt>
     <dgm:pt modelId="{0A4F2873-8078-49A6-A7BF-B6E4A512997A}" type="pres">
-      <dgm:prSet presAssocID="{05C623EA-C139-477C-A001-0175DB33F401}" presName="background2" presStyleLbl="node2" presStyleIdx="6" presStyleCnt="7"/>
+      <dgm:prSet presAssocID="{05C623EA-C139-477C-A001-0175DB33F401}" presName="background2" presStyleLbl="node2" presStyleIdx="5" presStyleCnt="6"/>
       <dgm:spPr/>
     </dgm:pt>
     <dgm:pt modelId="{1F4A1F32-956C-4084-9306-224C94B2C86C}" type="pres">
-      <dgm:prSet presAssocID="{05C623EA-C139-477C-A001-0175DB33F401}" presName="text2" presStyleLbl="fgAcc2" presStyleIdx="6" presStyleCnt="7">
+      <dgm:prSet presAssocID="{05C623EA-C139-477C-A001-0175DB33F401}" presName="text2" presStyleLbl="fgAcc2" presStyleIdx="5" presStyleCnt="6">
         <dgm:presLayoutVars>
           <dgm:chPref val="3"/>
         </dgm:presLayoutVars>
@@ -2282,12 +2245,12 @@
     <dgm:cxn modelId="{F2A5A505-0248-46EE-9815-F2358396AEE4}" type="presOf" srcId="{F09320FD-EBC1-4546-AE71-9283D627C417}" destId="{08087E09-C088-44A7-B37C-9042DE28F42A}" srcOrd="0" destOrd="0" presId="urn:microsoft.com/office/officeart/2005/8/layout/hierarchy1"/>
     <dgm:cxn modelId="{66BBE729-8263-4C70-B417-B307EC9DBD3E}" type="presOf" srcId="{04814F69-C1B0-45E3-A436-6CA36D57C810}" destId="{1D5823D8-4E9D-43D4-BF2A-01189915A93D}" srcOrd="0" destOrd="0" presId="urn:microsoft.com/office/officeart/2005/8/layout/hierarchy1"/>
     <dgm:cxn modelId="{02B450D7-88D2-4AF9-9F1B-990DD97BD2BE}" type="presOf" srcId="{89B63C37-7EF1-4B5E-B2E5-66D42C057A82}" destId="{1A8EFF5F-A8E8-4510-9D97-8C1D3F7C9E8E}" srcOrd="0" destOrd="0" presId="urn:microsoft.com/office/officeart/2005/8/layout/hierarchy1"/>
-    <dgm:cxn modelId="{2AF1D2AA-25DE-4AEA-9462-28C08C091374}" srcId="{1DE781E6-5348-4A0F-8A4D-9CB6FDBE62D7}" destId="{4419CA23-21D8-4A5B-8557-9E67CF17B861}" srcOrd="5" destOrd="0" parTransId="{1912E5D4-7925-4A75-A232-922D1879421B}" sibTransId="{F56EED35-CC82-4EB0-AADE-68AE22576993}"/>
+    <dgm:cxn modelId="{2AF1D2AA-25DE-4AEA-9462-28C08C091374}" srcId="{1DE781E6-5348-4A0F-8A4D-9CB6FDBE62D7}" destId="{4419CA23-21D8-4A5B-8557-9E67CF17B861}" srcOrd="4" destOrd="0" parTransId="{1912E5D4-7925-4A75-A232-922D1879421B}" sibTransId="{F56EED35-CC82-4EB0-AADE-68AE22576993}"/>
     <dgm:cxn modelId="{B2CE67B4-745B-4025-AB13-79F2A7EB2F23}" type="presOf" srcId="{CD9D7BA5-047D-4826-836E-FD5D2B40EDFA}" destId="{39CB466C-06C8-41DF-B055-1FBEE94B1770}" srcOrd="0" destOrd="0" presId="urn:microsoft.com/office/officeart/2005/8/layout/hierarchy1"/>
     <dgm:cxn modelId="{1B347934-230A-46AD-9A9B-AAB67FC2B051}" type="presOf" srcId="{C3A8B59C-CF34-4859-9CBB-BB0DF76F281F}" destId="{51981AFD-BCCA-40EB-ACFF-790A39BB7CDD}" srcOrd="0" destOrd="0" presId="urn:microsoft.com/office/officeart/2005/8/layout/hierarchy1"/>
     <dgm:cxn modelId="{0DE60B5A-F1F6-493F-B35A-22F027435649}" srcId="{04814F69-C1B0-45E3-A436-6CA36D57C810}" destId="{1DE781E6-5348-4A0F-8A4D-9CB6FDBE62D7}" srcOrd="0" destOrd="0" parTransId="{EFB5A079-30A4-4E52-92DE-BEC33EAC413D}" sibTransId="{26A4B2FE-DF1D-44AF-A232-15CE586B8D22}"/>
     <dgm:cxn modelId="{0C2D19D0-FA52-4CAB-A6B8-0F042B5C4996}" type="presOf" srcId="{07FF5B4D-509C-4575-A4FE-80EB7253DB40}" destId="{F334C127-0419-4F7B-977E-CF00D2E7A2C0}" srcOrd="0" destOrd="0" presId="urn:microsoft.com/office/officeart/2005/8/layout/hierarchy1"/>
-    <dgm:cxn modelId="{0238A426-C23D-4F74-80A9-D59F175D2DA7}" srcId="{1DE781E6-5348-4A0F-8A4D-9CB6FDBE62D7}" destId="{CD9D7BA5-047D-4826-836E-FD5D2B40EDFA}" srcOrd="3" destOrd="0" parTransId="{264B78ED-595B-47A6-A3A1-066C4831C9C0}" sibTransId="{5FABE100-6C0C-467B-A501-F4369A775E67}"/>
+    <dgm:cxn modelId="{0238A426-C23D-4F74-80A9-D59F175D2DA7}" srcId="{1DE781E6-5348-4A0F-8A4D-9CB6FDBE62D7}" destId="{CD9D7BA5-047D-4826-836E-FD5D2B40EDFA}" srcOrd="2" destOrd="0" parTransId="{264B78ED-595B-47A6-A3A1-066C4831C9C0}" sibTransId="{5FABE100-6C0C-467B-A501-F4369A775E67}"/>
     <dgm:cxn modelId="{2651D0F5-5CAA-4EAB-9E83-6164229889EE}" srcId="{CD9D7BA5-047D-4826-836E-FD5D2B40EDFA}" destId="{07FF5B4D-509C-4575-A4FE-80EB7253DB40}" srcOrd="3" destOrd="0" parTransId="{15C52AFC-7693-463E-8A68-2064D495A8A2}" sibTransId="{F9BFE459-1A29-49D1-B956-886038114041}"/>
     <dgm:cxn modelId="{8DF34AFB-F315-4AB2-A93F-9842DF0A4F8B}" type="presOf" srcId="{0D2AF5F0-BDC2-4361-A7FE-06743388DCF0}" destId="{33407D5C-B7E0-45E4-8E32-FCC1BE5A8B62}" srcOrd="0" destOrd="0" presId="urn:microsoft.com/office/officeart/2005/8/layout/hierarchy1"/>
     <dgm:cxn modelId="{CBA5A364-E19A-4DF3-9995-4382FC97894E}" type="presOf" srcId="{AF279C68-2D6B-4A9D-B4F2-5C189A25E1DA}" destId="{A5966DAA-F232-4683-AA98-D583D7FF11C8}" srcOrd="0" destOrd="0" presId="urn:microsoft.com/office/officeart/2005/8/layout/hierarchy1"/>
@@ -2296,18 +2259,16 @@
     <dgm:cxn modelId="{43BC82AE-4EBB-47B0-BAF2-5155ED14CE1C}" type="presOf" srcId="{33794474-C107-4BA7-B9A8-CEA0F422D211}" destId="{F28F3A04-CC50-4152-BBA8-5BC1F149C29B}" srcOrd="0" destOrd="0" presId="urn:microsoft.com/office/officeart/2005/8/layout/hierarchy1"/>
     <dgm:cxn modelId="{1AE67CB8-88BE-421B-9CDB-C1C434821618}" type="presOf" srcId="{74465C3C-BC34-4509-B591-61957113FFC8}" destId="{B2FB6A6D-6BDB-425D-8472-38E8E6DE7D63}" srcOrd="0" destOrd="0" presId="urn:microsoft.com/office/officeart/2005/8/layout/hierarchy1"/>
     <dgm:cxn modelId="{1953F338-A9F0-41FE-99DC-2B1E80A09FDC}" type="presOf" srcId="{E8835FF5-4722-456D-9E0D-1037BC81509D}" destId="{B7C955BB-6D33-4447-9002-7177AB112A8D}" srcOrd="0" destOrd="0" presId="urn:microsoft.com/office/officeart/2005/8/layout/hierarchy1"/>
-    <dgm:cxn modelId="{7AAEA056-1C97-4C65-8EDD-F6610A2A56EE}" srcId="{1DE781E6-5348-4A0F-8A4D-9CB6FDBE62D7}" destId="{05C623EA-C139-477C-A001-0175DB33F401}" srcOrd="6" destOrd="0" parTransId="{7F4142E6-5CE0-47F9-9E7B-3348DD26EBE4}" sibTransId="{ED1BEB9F-C47F-4303-BC3D-57CDFB383823}"/>
+    <dgm:cxn modelId="{7AAEA056-1C97-4C65-8EDD-F6610A2A56EE}" srcId="{1DE781E6-5348-4A0F-8A4D-9CB6FDBE62D7}" destId="{05C623EA-C139-477C-A001-0175DB33F401}" srcOrd="5" destOrd="0" parTransId="{7F4142E6-5CE0-47F9-9E7B-3348DD26EBE4}" sibTransId="{ED1BEB9F-C47F-4303-BC3D-57CDFB383823}"/>
     <dgm:cxn modelId="{B20C63E3-4FF0-4663-BE54-7D5B0816A5A5}" type="presOf" srcId="{05C623EA-C139-477C-A001-0175DB33F401}" destId="{1F4A1F32-956C-4084-9306-224C94B2C86C}" srcOrd="0" destOrd="0" presId="urn:microsoft.com/office/officeart/2005/8/layout/hierarchy1"/>
     <dgm:cxn modelId="{F6102541-7B3D-4034-80FA-9793750329B8}" type="presOf" srcId="{544D5BC0-A82E-40A9-9C9A-6BC8E24B51E0}" destId="{E481CE57-9B81-4DE8-87D1-D823850ED356}" srcOrd="0" destOrd="0" presId="urn:microsoft.com/office/officeart/2005/8/layout/hierarchy1"/>
     <dgm:cxn modelId="{B3908612-4C92-4A76-A6F6-671383649D4C}" type="presOf" srcId="{3FAD710D-F28F-413C-B80B-848AE75A32C1}" destId="{C7CBE0D8-703E-4096-839E-07227D10DA39}" srcOrd="0" destOrd="0" presId="urn:microsoft.com/office/officeart/2005/8/layout/hierarchy1"/>
     <dgm:cxn modelId="{548546A9-7C1F-4600-B022-B67A500334CD}" srcId="{CD9D7BA5-047D-4826-836E-FD5D2B40EDFA}" destId="{89B63C37-7EF1-4B5E-B2E5-66D42C057A82}" srcOrd="1" destOrd="0" parTransId="{36D65F96-C8E2-4354-B002-CD88CCD14E42}" sibTransId="{4AA4A992-A22D-49E7-A0AD-DEE4AA76390B}"/>
     <dgm:cxn modelId="{5A4A497B-2CC7-4D37-BA3B-B254468DD0BD}" type="presOf" srcId="{4419CA23-21D8-4A5B-8557-9E67CF17B861}" destId="{A964D597-B3AA-4919-BE97-10C339007B87}" srcOrd="0" destOrd="0" presId="urn:microsoft.com/office/officeart/2005/8/layout/hierarchy1"/>
-    <dgm:cxn modelId="{195DF613-A863-4C19-A486-513A245C3791}" srcId="{1DE781E6-5348-4A0F-8A4D-9CB6FDBE62D7}" destId="{39982D43-814D-4BD0-A6C4-DF3FEFB2A8B5}" srcOrd="2" destOrd="0" parTransId="{E56AD853-2923-4CF1-8203-63C476BB4E07}" sibTransId="{430F00BC-D5E0-4B21-B582-34549C852966}"/>
+    <dgm:cxn modelId="{195DF613-A863-4C19-A486-513A245C3791}" srcId="{1DE781E6-5348-4A0F-8A4D-9CB6FDBE62D7}" destId="{39982D43-814D-4BD0-A6C4-DF3FEFB2A8B5}" srcOrd="1" destOrd="0" parTransId="{E56AD853-2923-4CF1-8203-63C476BB4E07}" sibTransId="{430F00BC-D5E0-4B21-B582-34549C852966}"/>
     <dgm:cxn modelId="{C44AC351-1D08-4FC2-A7A1-36103CEFE7F6}" type="presOf" srcId="{15C52AFC-7693-463E-8A68-2064D495A8A2}" destId="{873218BE-B7D0-434F-A2F0-8EB777A887E8}" srcOrd="0" destOrd="0" presId="urn:microsoft.com/office/officeart/2005/8/layout/hierarchy1"/>
-    <dgm:cxn modelId="{B52E60E8-497A-4186-A994-179829CD3712}" srcId="{1DE781E6-5348-4A0F-8A4D-9CB6FDBE62D7}" destId="{BB92A1FD-0393-4885-9CE6-BFAEE3B461AE}" srcOrd="1" destOrd="0" parTransId="{0D2AF5F0-BDC2-4361-A7FE-06743388DCF0}" sibTransId="{4B5A0750-EDE2-4535-8044-2A8829CBD64A}"/>
+    <dgm:cxn modelId="{B52E60E8-497A-4186-A994-179829CD3712}" srcId="{1DE781E6-5348-4A0F-8A4D-9CB6FDBE62D7}" destId="{BB92A1FD-0393-4885-9CE6-BFAEE3B461AE}" srcOrd="0" destOrd="0" parTransId="{0D2AF5F0-BDC2-4361-A7FE-06743388DCF0}" sibTransId="{4B5A0750-EDE2-4535-8044-2A8829CBD64A}"/>
     <dgm:cxn modelId="{CFC4A2B6-78B8-46C9-B8BF-3B36C063DBA0}" type="presOf" srcId="{36D65F96-C8E2-4354-B002-CD88CCD14E42}" destId="{649D2A28-647F-4A31-91EA-0B8AE2AFE7A3}" srcOrd="0" destOrd="0" presId="urn:microsoft.com/office/officeart/2005/8/layout/hierarchy1"/>
-    <dgm:cxn modelId="{CFD3CB6F-5A4D-4420-86ED-AAA1B1703113}" type="presOf" srcId="{A6F89C51-EB65-4709-AF75-D814884565D3}" destId="{F6ECBCA2-DB27-4669-9640-4AF009594EAF}" srcOrd="0" destOrd="0" presId="urn:microsoft.com/office/officeart/2005/8/layout/hierarchy1"/>
-    <dgm:cxn modelId="{A75F8107-22FB-46B8-A2AC-FC790A748FAE}" type="presOf" srcId="{0A1A21E5-E71A-4996-B219-4E6BE8F2F92A}" destId="{73408D6B-AF5D-4A36-B7BE-3AC9A8BFFBEE}" srcOrd="0" destOrd="0" presId="urn:microsoft.com/office/officeart/2005/8/layout/hierarchy1"/>
     <dgm:cxn modelId="{620B7499-D362-4C4A-893C-ED8EEDE23D53}" srcId="{BB92A1FD-0393-4885-9CE6-BFAEE3B461AE}" destId="{9A72D09F-E4D8-431F-803A-6A3D19C2EB82}" srcOrd="0" destOrd="0" parTransId="{25C39BD1-8CC0-4806-8FB3-4347762556A3}" sibTransId="{0501F700-6312-435B-85CE-4D2237A14775}"/>
     <dgm:cxn modelId="{8CF16710-D983-4732-8F36-6768FABBFC18}" type="presOf" srcId="{BB92A1FD-0393-4885-9CE6-BFAEE3B461AE}" destId="{FE3D4E2A-6F6D-4AD6-BF52-BA9FEA686BCC}" srcOrd="0" destOrd="0" presId="urn:microsoft.com/office/officeart/2005/8/layout/hierarchy1"/>
     <dgm:cxn modelId="{C680E2C2-5E35-40A2-9B6D-B05C0DC0AB6D}" type="presOf" srcId="{EA3B474D-3400-4570-AD1A-49C6DA4B15FB}" destId="{585289C4-1159-4AC9-A9CC-3915121CAAF3}" srcOrd="0" destOrd="0" presId="urn:microsoft.com/office/officeart/2005/8/layout/hierarchy1"/>
@@ -2315,9 +2276,8 @@
     <dgm:cxn modelId="{B1BD8F6C-342F-48AE-A9EA-A2F38E4918EE}" srcId="{3FAD710D-F28F-413C-B80B-848AE75A32C1}" destId="{544D5BC0-A82E-40A9-9C9A-6BC8E24B51E0}" srcOrd="0" destOrd="0" parTransId="{4CE916A2-FA46-4476-A1AF-9EB44CFCA01A}" sibTransId="{8747BEFD-3BB6-4A29-81AC-C321EBFCDB3C}"/>
     <dgm:cxn modelId="{3A37C96C-04DD-4639-91C1-4D85FE7FF83F}" srcId="{39982D43-814D-4BD0-A6C4-DF3FEFB2A8B5}" destId="{2BFDE5C2-0684-4737-B50D-BA2C1573BD6C}" srcOrd="1" destOrd="0" parTransId="{EA3B474D-3400-4570-AD1A-49C6DA4B15FB}" sibTransId="{B02F622E-0AD6-4843-BC08-7C5B650871B7}"/>
     <dgm:cxn modelId="{37BFE2FA-91F0-481E-AADA-319DE81E57ED}" type="presOf" srcId="{89810288-8E96-4DEB-89AA-F197AA99EB0F}" destId="{17F7F520-6C10-4DC1-9B49-C3C170B1245B}" srcOrd="0" destOrd="0" presId="urn:microsoft.com/office/officeart/2005/8/layout/hierarchy1"/>
-    <dgm:cxn modelId="{E0476168-85F3-480C-BF86-3D4ACCF57152}" srcId="{1DE781E6-5348-4A0F-8A4D-9CB6FDBE62D7}" destId="{0A1A21E5-E71A-4996-B219-4E6BE8F2F92A}" srcOrd="0" destOrd="0" parTransId="{A6F89C51-EB65-4709-AF75-D814884565D3}" sibTransId="{AA5E0BEF-21AA-4BB3-ADA4-82D48BF50E9C}"/>
     <dgm:cxn modelId="{019F3FAE-3D50-4199-9031-B2822B5DBC14}" type="presOf" srcId="{7F4142E6-5CE0-47F9-9E7B-3348DD26EBE4}" destId="{0D2281D5-9063-43D9-A052-FE2B135EDDF2}" srcOrd="0" destOrd="0" presId="urn:microsoft.com/office/officeart/2005/8/layout/hierarchy1"/>
-    <dgm:cxn modelId="{E234BD54-F940-4A86-9DEA-6AAF27E10739}" srcId="{1DE781E6-5348-4A0F-8A4D-9CB6FDBE62D7}" destId="{3FAD710D-F28F-413C-B80B-848AE75A32C1}" srcOrd="4" destOrd="0" parTransId="{AF279C68-2D6B-4A9D-B4F2-5C189A25E1DA}" sibTransId="{B3F45295-9538-40FE-A948-DF34262867D1}"/>
+    <dgm:cxn modelId="{E234BD54-F940-4A86-9DEA-6AAF27E10739}" srcId="{1DE781E6-5348-4A0F-8A4D-9CB6FDBE62D7}" destId="{3FAD710D-F28F-413C-B80B-848AE75A32C1}" srcOrd="3" destOrd="0" parTransId="{AF279C68-2D6B-4A9D-B4F2-5C189A25E1DA}" sibTransId="{B3F45295-9538-40FE-A948-DF34262867D1}"/>
     <dgm:cxn modelId="{399F9F10-3DF6-4B16-B991-DA68459D7C68}" srcId="{89B63C37-7EF1-4B5E-B2E5-66D42C057A82}" destId="{CA1BC33F-204B-4438-8259-CFEB20CF3A52}" srcOrd="0" destOrd="0" parTransId="{89810288-8E96-4DEB-89AA-F197AA99EB0F}" sibTransId="{A984B0D5-7BDC-4ED1-B069-1EBDFEEC2787}"/>
     <dgm:cxn modelId="{671B512F-0D45-4536-8832-9C6418FCA58A}" srcId="{CD9D7BA5-047D-4826-836E-FD5D2B40EDFA}" destId="{93E9946A-3290-4388-BEB7-C1E298DF2286}" srcOrd="2" destOrd="0" parTransId="{E84A2658-11F7-4335-886C-9007D6AE925F}" sibTransId="{2509748D-EE5A-4C54-B171-6674C89A38C7}"/>
     <dgm:cxn modelId="{97096D96-2CF2-4EFF-BFAC-EABBFF1C78B3}" type="presOf" srcId="{93E9946A-3290-4388-BEB7-C1E298DF2286}" destId="{53567BA6-68A2-46C6-85B9-0ED70F93207F}" srcOrd="0" destOrd="0" presId="urn:microsoft.com/office/officeart/2005/8/layout/hierarchy1"/>
@@ -2335,14 +2295,8 @@
     <dgm:cxn modelId="{7CCC5DE2-5BD3-4B7C-8C5D-6F4FBB0C798A}" type="presParOf" srcId="{10BCC427-B75C-4A15-89D9-75FD1F8C433E}" destId="{D1BED796-9378-4FA4-9D8C-2ED529E68DCA}" srcOrd="0" destOrd="0" presId="urn:microsoft.com/office/officeart/2005/8/layout/hierarchy1"/>
     <dgm:cxn modelId="{07D8780A-4344-496C-8840-4EA783FF3C46}" type="presParOf" srcId="{10BCC427-B75C-4A15-89D9-75FD1F8C433E}" destId="{C199E6BB-F67F-4701-AF2E-99E68B4438E0}" srcOrd="1" destOrd="0" presId="urn:microsoft.com/office/officeart/2005/8/layout/hierarchy1"/>
     <dgm:cxn modelId="{767A245D-75A4-45B0-A277-331A502915B3}" type="presParOf" srcId="{7CE2B212-9183-4F8E-8F1C-79D9976DC4CD}" destId="{23EF3E26-679D-4BF1-8AC3-2D06A49959D3}" srcOrd="1" destOrd="0" presId="urn:microsoft.com/office/officeart/2005/8/layout/hierarchy1"/>
-    <dgm:cxn modelId="{1B8C49C6-D118-4B12-A500-ACD97CD3A17B}" type="presParOf" srcId="{23EF3E26-679D-4BF1-8AC3-2D06A49959D3}" destId="{F6ECBCA2-DB27-4669-9640-4AF009594EAF}" srcOrd="0" destOrd="0" presId="urn:microsoft.com/office/officeart/2005/8/layout/hierarchy1"/>
-    <dgm:cxn modelId="{369D2A27-4930-4789-B094-27AC206EE7D8}" type="presParOf" srcId="{23EF3E26-679D-4BF1-8AC3-2D06A49959D3}" destId="{401DBB28-D896-4CAE-81E4-204C0FF8A21B}" srcOrd="1" destOrd="0" presId="urn:microsoft.com/office/officeart/2005/8/layout/hierarchy1"/>
-    <dgm:cxn modelId="{B1C7EF88-C269-424C-AE8E-9E7FCA18919D}" type="presParOf" srcId="{401DBB28-D896-4CAE-81E4-204C0FF8A21B}" destId="{B48CD6A3-1445-4F95-A48E-197A89A02EE6}" srcOrd="0" destOrd="0" presId="urn:microsoft.com/office/officeart/2005/8/layout/hierarchy1"/>
-    <dgm:cxn modelId="{29FC7D4A-A750-43DA-9076-8EB5BE0553AC}" type="presParOf" srcId="{B48CD6A3-1445-4F95-A48E-197A89A02EE6}" destId="{B19C4959-5E6C-47B8-B645-671128CF5577}" srcOrd="0" destOrd="0" presId="urn:microsoft.com/office/officeart/2005/8/layout/hierarchy1"/>
-    <dgm:cxn modelId="{4F4CE617-40D7-480C-8139-AC91DB602922}" type="presParOf" srcId="{B48CD6A3-1445-4F95-A48E-197A89A02EE6}" destId="{73408D6B-AF5D-4A36-B7BE-3AC9A8BFFBEE}" srcOrd="1" destOrd="0" presId="urn:microsoft.com/office/officeart/2005/8/layout/hierarchy1"/>
-    <dgm:cxn modelId="{DA5CD12F-2A7F-467B-A4AF-D9EDC7094DC8}" type="presParOf" srcId="{401DBB28-D896-4CAE-81E4-204C0FF8A21B}" destId="{3AF139A9-18E3-47B0-920D-75F8EDDFCC1B}" srcOrd="1" destOrd="0" presId="urn:microsoft.com/office/officeart/2005/8/layout/hierarchy1"/>
-    <dgm:cxn modelId="{4D19BC0D-FD65-4DAC-B3EA-602F9C76A704}" type="presParOf" srcId="{23EF3E26-679D-4BF1-8AC3-2D06A49959D3}" destId="{33407D5C-B7E0-45E4-8E32-FCC1BE5A8B62}" srcOrd="2" destOrd="0" presId="urn:microsoft.com/office/officeart/2005/8/layout/hierarchy1"/>
-    <dgm:cxn modelId="{7033B6E1-ADBC-4299-9727-158A8449E3EE}" type="presParOf" srcId="{23EF3E26-679D-4BF1-8AC3-2D06A49959D3}" destId="{BB96408C-3A59-4FBD-95DA-FF4B64C1D946}" srcOrd="3" destOrd="0" presId="urn:microsoft.com/office/officeart/2005/8/layout/hierarchy1"/>
+    <dgm:cxn modelId="{4D19BC0D-FD65-4DAC-B3EA-602F9C76A704}" type="presParOf" srcId="{23EF3E26-679D-4BF1-8AC3-2D06A49959D3}" destId="{33407D5C-B7E0-45E4-8E32-FCC1BE5A8B62}" srcOrd="0" destOrd="0" presId="urn:microsoft.com/office/officeart/2005/8/layout/hierarchy1"/>
+    <dgm:cxn modelId="{7033B6E1-ADBC-4299-9727-158A8449E3EE}" type="presParOf" srcId="{23EF3E26-679D-4BF1-8AC3-2D06A49959D3}" destId="{BB96408C-3A59-4FBD-95DA-FF4B64C1D946}" srcOrd="1" destOrd="0" presId="urn:microsoft.com/office/officeart/2005/8/layout/hierarchy1"/>
     <dgm:cxn modelId="{9E313444-A740-4CEE-AB86-E5C991D097C5}" type="presParOf" srcId="{BB96408C-3A59-4FBD-95DA-FF4B64C1D946}" destId="{2AF91B72-EFD0-4D47-A542-2ABB2C750459}" srcOrd="0" destOrd="0" presId="urn:microsoft.com/office/officeart/2005/8/layout/hierarchy1"/>
     <dgm:cxn modelId="{37834E4B-F83E-47D4-8882-F6CD592BB737}" type="presParOf" srcId="{2AF91B72-EFD0-4D47-A542-2ABB2C750459}" destId="{796E2750-10EE-472B-9217-32E32D93D7CC}" srcOrd="0" destOrd="0" presId="urn:microsoft.com/office/officeart/2005/8/layout/hierarchy1"/>
     <dgm:cxn modelId="{C609EBB6-3A28-46CE-969F-35D8139A1393}" type="presParOf" srcId="{2AF91B72-EFD0-4D47-A542-2ABB2C750459}" destId="{FE3D4E2A-6F6D-4AD6-BF52-BA9FEA686BCC}" srcOrd="1" destOrd="0" presId="urn:microsoft.com/office/officeart/2005/8/layout/hierarchy1"/>
@@ -2353,8 +2307,8 @@
     <dgm:cxn modelId="{E480EDB2-4AF6-4830-9E07-B11DD15925E9}" type="presParOf" srcId="{DD9B03BC-BB74-43B9-9CF3-3412A37146CC}" destId="{9F2C0BDE-0EC2-4754-B990-723A8E0F0284}" srcOrd="0" destOrd="0" presId="urn:microsoft.com/office/officeart/2005/8/layout/hierarchy1"/>
     <dgm:cxn modelId="{33919CB7-1617-44F8-AA0B-64EFE81E5380}" type="presParOf" srcId="{DD9B03BC-BB74-43B9-9CF3-3412A37146CC}" destId="{EAC91DCC-948E-4377-B972-4E9B2045816E}" srcOrd="1" destOrd="0" presId="urn:microsoft.com/office/officeart/2005/8/layout/hierarchy1"/>
     <dgm:cxn modelId="{BE68E32C-A741-4A5C-82BB-4A27D38F35E5}" type="presParOf" srcId="{16F3744A-743E-4D4F-8F55-377BEA36A55A}" destId="{AC39686C-3C4A-43E3-B47D-C0F27E6D98EB}" srcOrd="1" destOrd="0" presId="urn:microsoft.com/office/officeart/2005/8/layout/hierarchy1"/>
-    <dgm:cxn modelId="{A7DA9C5C-EBDA-411B-B887-77501ECE5E67}" type="presParOf" srcId="{23EF3E26-679D-4BF1-8AC3-2D06A49959D3}" destId="{55B448B4-B332-4472-9288-EA12A026CAF3}" srcOrd="4" destOrd="0" presId="urn:microsoft.com/office/officeart/2005/8/layout/hierarchy1"/>
-    <dgm:cxn modelId="{0D970A86-70E5-486D-A57A-D5E6560E0EEF}" type="presParOf" srcId="{23EF3E26-679D-4BF1-8AC3-2D06A49959D3}" destId="{CE7AABB2-C6A4-4D98-AF93-82C90BED50BF}" srcOrd="5" destOrd="0" presId="urn:microsoft.com/office/officeart/2005/8/layout/hierarchy1"/>
+    <dgm:cxn modelId="{A7DA9C5C-EBDA-411B-B887-77501ECE5E67}" type="presParOf" srcId="{23EF3E26-679D-4BF1-8AC3-2D06A49959D3}" destId="{55B448B4-B332-4472-9288-EA12A026CAF3}" srcOrd="2" destOrd="0" presId="urn:microsoft.com/office/officeart/2005/8/layout/hierarchy1"/>
+    <dgm:cxn modelId="{0D970A86-70E5-486D-A57A-D5E6560E0EEF}" type="presParOf" srcId="{23EF3E26-679D-4BF1-8AC3-2D06A49959D3}" destId="{CE7AABB2-C6A4-4D98-AF93-82C90BED50BF}" srcOrd="3" destOrd="0" presId="urn:microsoft.com/office/officeart/2005/8/layout/hierarchy1"/>
     <dgm:cxn modelId="{B3D0D7E4-BBBC-476B-B65F-EE31DA69E536}" type="presParOf" srcId="{CE7AABB2-C6A4-4D98-AF93-82C90BED50BF}" destId="{5288B8D5-8043-4AC4-BB22-A56281ACBCFF}" srcOrd="0" destOrd="0" presId="urn:microsoft.com/office/officeart/2005/8/layout/hierarchy1"/>
     <dgm:cxn modelId="{6444E2EB-FB5C-4C2B-912E-5791E196DD92}" type="presParOf" srcId="{5288B8D5-8043-4AC4-BB22-A56281ACBCFF}" destId="{78F68D68-3F80-42D4-90A3-A3AAD775A149}" srcOrd="0" destOrd="0" presId="urn:microsoft.com/office/officeart/2005/8/layout/hierarchy1"/>
     <dgm:cxn modelId="{98247662-8FD1-4D6B-8B3E-4C5D65193474}" type="presParOf" srcId="{5288B8D5-8043-4AC4-BB22-A56281ACBCFF}" destId="{1BD48325-E5D8-4F94-A117-BB283C4AA14F}" srcOrd="1" destOrd="0" presId="urn:microsoft.com/office/officeart/2005/8/layout/hierarchy1"/>
@@ -2371,8 +2325,8 @@
     <dgm:cxn modelId="{26C9E13A-6CA3-4ADF-AE75-FCBBBD790D58}" type="presParOf" srcId="{208E651E-FEB4-4D89-9644-C1D8302A104D}" destId="{8FE8B806-F90F-48DB-87F1-B2D54E01C98B}" srcOrd="0" destOrd="0" presId="urn:microsoft.com/office/officeart/2005/8/layout/hierarchy1"/>
     <dgm:cxn modelId="{955F2910-15FD-4E22-AE77-70286767CB4A}" type="presParOf" srcId="{208E651E-FEB4-4D89-9644-C1D8302A104D}" destId="{0DAA6FC2-8FCE-4650-9338-2EB7007F42FA}" srcOrd="1" destOrd="0" presId="urn:microsoft.com/office/officeart/2005/8/layout/hierarchy1"/>
     <dgm:cxn modelId="{745C681F-6334-44D1-B6B4-815C050E8CEF}" type="presParOf" srcId="{75F8A0EF-85CD-4C7A-B76D-798D901EB7C4}" destId="{28C77586-5F3F-4654-9BBF-8C75C2FC5794}" srcOrd="1" destOrd="0" presId="urn:microsoft.com/office/officeart/2005/8/layout/hierarchy1"/>
-    <dgm:cxn modelId="{486A99DF-2A1C-444E-9317-A3069BD4CE67}" type="presParOf" srcId="{23EF3E26-679D-4BF1-8AC3-2D06A49959D3}" destId="{EA4B8207-4681-4233-8913-7143817878B6}" srcOrd="6" destOrd="0" presId="urn:microsoft.com/office/officeart/2005/8/layout/hierarchy1"/>
-    <dgm:cxn modelId="{B895845F-5D5B-4AAE-86F4-996CB8E80250}" type="presParOf" srcId="{23EF3E26-679D-4BF1-8AC3-2D06A49959D3}" destId="{33841603-4FD9-4BE8-BB69-D75597506257}" srcOrd="7" destOrd="0" presId="urn:microsoft.com/office/officeart/2005/8/layout/hierarchy1"/>
+    <dgm:cxn modelId="{486A99DF-2A1C-444E-9317-A3069BD4CE67}" type="presParOf" srcId="{23EF3E26-679D-4BF1-8AC3-2D06A49959D3}" destId="{EA4B8207-4681-4233-8913-7143817878B6}" srcOrd="4" destOrd="0" presId="urn:microsoft.com/office/officeart/2005/8/layout/hierarchy1"/>
+    <dgm:cxn modelId="{B895845F-5D5B-4AAE-86F4-996CB8E80250}" type="presParOf" srcId="{23EF3E26-679D-4BF1-8AC3-2D06A49959D3}" destId="{33841603-4FD9-4BE8-BB69-D75597506257}" srcOrd="5" destOrd="0" presId="urn:microsoft.com/office/officeart/2005/8/layout/hierarchy1"/>
     <dgm:cxn modelId="{9638E144-D25F-4CDB-89E6-F8791FD1832E}" type="presParOf" srcId="{33841603-4FD9-4BE8-BB69-D75597506257}" destId="{6545C714-DAFD-4B31-BD4D-904FA3BA057E}" srcOrd="0" destOrd="0" presId="urn:microsoft.com/office/officeart/2005/8/layout/hierarchy1"/>
     <dgm:cxn modelId="{CE7A2FBB-6539-4FDF-AD14-304E8C9D0797}" type="presParOf" srcId="{6545C714-DAFD-4B31-BD4D-904FA3BA057E}" destId="{E7BA65C3-E9F2-458F-8433-E7E28E16007D}" srcOrd="0" destOrd="0" presId="urn:microsoft.com/office/officeart/2005/8/layout/hierarchy1"/>
     <dgm:cxn modelId="{82246D88-5EEC-453E-9E1C-4386F92CC603}" type="presParOf" srcId="{6545C714-DAFD-4B31-BD4D-904FA3BA057E}" destId="{39CB466C-06C8-41DF-B055-1FBEE94B1770}" srcOrd="1" destOrd="0" presId="urn:microsoft.com/office/officeart/2005/8/layout/hierarchy1"/>
@@ -2407,8 +2361,8 @@
     <dgm:cxn modelId="{3BE939AC-9372-4D09-A6B2-81B6B2A7B80E}" type="presParOf" srcId="{66FE03BD-B1C5-4E46-A9A0-BD85CC7EEB4F}" destId="{E6C9A335-B9FC-4E4B-833B-8F9AF1CF8E1D}" srcOrd="0" destOrd="0" presId="urn:microsoft.com/office/officeart/2005/8/layout/hierarchy1"/>
     <dgm:cxn modelId="{293450D1-FE6E-4552-BF39-61855F6EEF6F}" type="presParOf" srcId="{66FE03BD-B1C5-4E46-A9A0-BD85CC7EEB4F}" destId="{F334C127-0419-4F7B-977E-CF00D2E7A2C0}" srcOrd="1" destOrd="0" presId="urn:microsoft.com/office/officeart/2005/8/layout/hierarchy1"/>
     <dgm:cxn modelId="{B12AF8B8-9BAF-4F9A-A208-7B5A6DAE7CDD}" type="presParOf" srcId="{780EF773-0957-4093-937B-D9C741323B3B}" destId="{6CDC3B19-BF4B-4A52-9010-8B9847B87018}" srcOrd="1" destOrd="0" presId="urn:microsoft.com/office/officeart/2005/8/layout/hierarchy1"/>
-    <dgm:cxn modelId="{C951DF61-17B1-4DF4-AC89-78C2FA9AFB32}" type="presParOf" srcId="{23EF3E26-679D-4BF1-8AC3-2D06A49959D3}" destId="{A5966DAA-F232-4683-AA98-D583D7FF11C8}" srcOrd="8" destOrd="0" presId="urn:microsoft.com/office/officeart/2005/8/layout/hierarchy1"/>
-    <dgm:cxn modelId="{9DC6D2C3-274E-4EEA-8433-CC3336F4AD62}" type="presParOf" srcId="{23EF3E26-679D-4BF1-8AC3-2D06A49959D3}" destId="{18C7E2DD-A92E-4A40-868B-2CE125370BA4}" srcOrd="9" destOrd="0" presId="urn:microsoft.com/office/officeart/2005/8/layout/hierarchy1"/>
+    <dgm:cxn modelId="{C951DF61-17B1-4DF4-AC89-78C2FA9AFB32}" type="presParOf" srcId="{23EF3E26-679D-4BF1-8AC3-2D06A49959D3}" destId="{A5966DAA-F232-4683-AA98-D583D7FF11C8}" srcOrd="6" destOrd="0" presId="urn:microsoft.com/office/officeart/2005/8/layout/hierarchy1"/>
+    <dgm:cxn modelId="{9DC6D2C3-274E-4EEA-8433-CC3336F4AD62}" type="presParOf" srcId="{23EF3E26-679D-4BF1-8AC3-2D06A49959D3}" destId="{18C7E2DD-A92E-4A40-868B-2CE125370BA4}" srcOrd="7" destOrd="0" presId="urn:microsoft.com/office/officeart/2005/8/layout/hierarchy1"/>
     <dgm:cxn modelId="{CF570827-3350-4124-981B-427089ECD2EF}" type="presParOf" srcId="{18C7E2DD-A92E-4A40-868B-2CE125370BA4}" destId="{A2EA088D-7E9C-45AD-B0A7-36193B853641}" srcOrd="0" destOrd="0" presId="urn:microsoft.com/office/officeart/2005/8/layout/hierarchy1"/>
     <dgm:cxn modelId="{D5CCB7B5-010D-455B-8E4D-2FC15443A85C}" type="presParOf" srcId="{A2EA088D-7E9C-45AD-B0A7-36193B853641}" destId="{8627282E-C823-4A97-95C9-D8E317FF48B7}" srcOrd="0" destOrd="0" presId="urn:microsoft.com/office/officeart/2005/8/layout/hierarchy1"/>
     <dgm:cxn modelId="{755D0821-9010-4E7C-9036-071A88D187E9}" type="presParOf" srcId="{A2EA088D-7E9C-45AD-B0A7-36193B853641}" destId="{C7CBE0D8-703E-4096-839E-07227D10DA39}" srcOrd="1" destOrd="0" presId="urn:microsoft.com/office/officeart/2005/8/layout/hierarchy1"/>
@@ -2425,14 +2379,14 @@
     <dgm:cxn modelId="{C2C948E1-9CBA-46D1-966F-20A0EA219DA1}" type="presParOf" srcId="{39CFF056-393E-404E-8A90-05D36E7FB126}" destId="{DB23EC0A-7441-452E-988B-01508BCECC76}" srcOrd="0" destOrd="0" presId="urn:microsoft.com/office/officeart/2005/8/layout/hierarchy1"/>
     <dgm:cxn modelId="{6BE4AB4A-EE9C-481C-9D9C-07B4CE75D010}" type="presParOf" srcId="{39CFF056-393E-404E-8A90-05D36E7FB126}" destId="{51981AFD-BCCA-40EB-ACFF-790A39BB7CDD}" srcOrd="1" destOrd="0" presId="urn:microsoft.com/office/officeart/2005/8/layout/hierarchy1"/>
     <dgm:cxn modelId="{481F9E76-0144-4B1A-85C8-8FC6D4ECB21A}" type="presParOf" srcId="{F744FE32-1F59-4A6E-B8C2-A5CE3D57C746}" destId="{46B3A6F9-DBC1-4338-82D6-C2A4A46B65A5}" srcOrd="1" destOrd="0" presId="urn:microsoft.com/office/officeart/2005/8/layout/hierarchy1"/>
-    <dgm:cxn modelId="{0CA1F086-36A4-4A80-B8D3-35E09AF21836}" type="presParOf" srcId="{23EF3E26-679D-4BF1-8AC3-2D06A49959D3}" destId="{311410C7-2896-4D5A-9B6B-F3CC8B8578A9}" srcOrd="10" destOrd="0" presId="urn:microsoft.com/office/officeart/2005/8/layout/hierarchy1"/>
-    <dgm:cxn modelId="{A49C6F06-2449-4D67-8085-74BFC37C330A}" type="presParOf" srcId="{23EF3E26-679D-4BF1-8AC3-2D06A49959D3}" destId="{4A01245A-6D49-4809-B923-78070059EFD5}" srcOrd="11" destOrd="0" presId="urn:microsoft.com/office/officeart/2005/8/layout/hierarchy1"/>
+    <dgm:cxn modelId="{0CA1F086-36A4-4A80-B8D3-35E09AF21836}" type="presParOf" srcId="{23EF3E26-679D-4BF1-8AC3-2D06A49959D3}" destId="{311410C7-2896-4D5A-9B6B-F3CC8B8578A9}" srcOrd="8" destOrd="0" presId="urn:microsoft.com/office/officeart/2005/8/layout/hierarchy1"/>
+    <dgm:cxn modelId="{A49C6F06-2449-4D67-8085-74BFC37C330A}" type="presParOf" srcId="{23EF3E26-679D-4BF1-8AC3-2D06A49959D3}" destId="{4A01245A-6D49-4809-B923-78070059EFD5}" srcOrd="9" destOrd="0" presId="urn:microsoft.com/office/officeart/2005/8/layout/hierarchy1"/>
     <dgm:cxn modelId="{98215D74-CB70-46CC-A233-49516F084CFC}" type="presParOf" srcId="{4A01245A-6D49-4809-B923-78070059EFD5}" destId="{3C08C395-E7C2-49E9-B377-E6D4FFCE1EEE}" srcOrd="0" destOrd="0" presId="urn:microsoft.com/office/officeart/2005/8/layout/hierarchy1"/>
     <dgm:cxn modelId="{08969E08-7CEE-4004-AEE9-AB9592CA04BA}" type="presParOf" srcId="{3C08C395-E7C2-49E9-B377-E6D4FFCE1EEE}" destId="{0868834C-B8F1-4844-B744-5B900BC52607}" srcOrd="0" destOrd="0" presId="urn:microsoft.com/office/officeart/2005/8/layout/hierarchy1"/>
     <dgm:cxn modelId="{2F6CEC6D-9A6A-48B1-8443-ED948C67075E}" type="presParOf" srcId="{3C08C395-E7C2-49E9-B377-E6D4FFCE1EEE}" destId="{A964D597-B3AA-4919-BE97-10C339007B87}" srcOrd="1" destOrd="0" presId="urn:microsoft.com/office/officeart/2005/8/layout/hierarchy1"/>
     <dgm:cxn modelId="{7BED732D-D19D-4CBD-887C-1BFA7F34F070}" type="presParOf" srcId="{4A01245A-6D49-4809-B923-78070059EFD5}" destId="{F41CBB0A-E12A-4EAA-99BE-3D963EE44BFD}" srcOrd="1" destOrd="0" presId="urn:microsoft.com/office/officeart/2005/8/layout/hierarchy1"/>
-    <dgm:cxn modelId="{BA27A32D-4735-4747-8B41-217E018585E0}" type="presParOf" srcId="{23EF3E26-679D-4BF1-8AC3-2D06A49959D3}" destId="{0D2281D5-9063-43D9-A052-FE2B135EDDF2}" srcOrd="12" destOrd="0" presId="urn:microsoft.com/office/officeart/2005/8/layout/hierarchy1"/>
-    <dgm:cxn modelId="{0C33FD5C-4784-4516-99A3-189C150E211A}" type="presParOf" srcId="{23EF3E26-679D-4BF1-8AC3-2D06A49959D3}" destId="{090BB8B5-CFA5-4F27-8E75-D435CB96A9AF}" srcOrd="13" destOrd="0" presId="urn:microsoft.com/office/officeart/2005/8/layout/hierarchy1"/>
+    <dgm:cxn modelId="{BA27A32D-4735-4747-8B41-217E018585E0}" type="presParOf" srcId="{23EF3E26-679D-4BF1-8AC3-2D06A49959D3}" destId="{0D2281D5-9063-43D9-A052-FE2B135EDDF2}" srcOrd="10" destOrd="0" presId="urn:microsoft.com/office/officeart/2005/8/layout/hierarchy1"/>
+    <dgm:cxn modelId="{0C33FD5C-4784-4516-99A3-189C150E211A}" type="presParOf" srcId="{23EF3E26-679D-4BF1-8AC3-2D06A49959D3}" destId="{090BB8B5-CFA5-4F27-8E75-D435CB96A9AF}" srcOrd="11" destOrd="0" presId="urn:microsoft.com/office/officeart/2005/8/layout/hierarchy1"/>
     <dgm:cxn modelId="{6F4C3C1E-B0BE-4688-9969-057448887417}" type="presParOf" srcId="{090BB8B5-CFA5-4F27-8E75-D435CB96A9AF}" destId="{1C0D76C9-B12E-4B6A-8D04-B93ACAD9517A}" srcOrd="0" destOrd="0" presId="urn:microsoft.com/office/officeart/2005/8/layout/hierarchy1"/>
     <dgm:cxn modelId="{AB9DEA5B-E0FE-4DC8-A901-A1C33613111B}" type="presParOf" srcId="{1C0D76C9-B12E-4B6A-8D04-B93ACAD9517A}" destId="{0A4F2873-8078-49A6-A7BF-B6E4A512997A}" srcOrd="0" destOrd="0" presId="urn:microsoft.com/office/officeart/2005/8/layout/hierarchy1"/>
     <dgm:cxn modelId="{2B4D6CF9-73DA-45E6-813B-08EBAC30F100}" type="presParOf" srcId="{1C0D76C9-B12E-4B6A-8D04-B93ACAD9517A}" destId="{1F4A1F32-956C-4084-9306-224C94B2C86C}" srcOrd="1" destOrd="0" presId="urn:microsoft.com/office/officeart/2005/8/layout/hierarchy1"/>
@@ -2463,8 +2417,8 @@
       </dsp:nvSpPr>
       <dsp:spPr>
         <a:xfrm>
-          <a:off x="5902683" y="2261582"/>
-          <a:ext cx="5469649" cy="247910"/>
+          <a:off x="5898107" y="2169001"/>
+          <a:ext cx="5426905" cy="271864"/>
         </a:xfrm>
         <a:custGeom>
           <a:avLst/>
@@ -2478,13 +2432,13 @@
                 <a:pt x="0" y="0"/>
               </a:moveTo>
               <a:lnTo>
-                <a:pt x="0" y="168943"/>
+                <a:pt x="0" y="185267"/>
               </a:lnTo>
               <a:lnTo>
-                <a:pt x="5469649" y="168943"/>
+                <a:pt x="5426905" y="185267"/>
               </a:lnTo>
               <a:lnTo>
-                <a:pt x="5469649" y="247910"/>
+                <a:pt x="5426905" y="271864"/>
               </a:lnTo>
             </a:path>
           </a:pathLst>
@@ -2525,8 +2479,8 @@
       </dsp:nvSpPr>
       <dsp:spPr>
         <a:xfrm>
-          <a:off x="5902683" y="2261582"/>
-          <a:ext cx="4427811" cy="247910"/>
+          <a:off x="5898107" y="2169001"/>
+          <a:ext cx="4284398" cy="271864"/>
         </a:xfrm>
         <a:custGeom>
           <a:avLst/>
@@ -2540,13 +2494,13 @@
                 <a:pt x="0" y="0"/>
               </a:moveTo>
               <a:lnTo>
-                <a:pt x="0" y="168943"/>
+                <a:pt x="0" y="185267"/>
               </a:lnTo>
               <a:lnTo>
-                <a:pt x="4427811" y="168943"/>
+                <a:pt x="4284398" y="185267"/>
               </a:lnTo>
               <a:lnTo>
-                <a:pt x="4427811" y="247910"/>
+                <a:pt x="4284398" y="271864"/>
               </a:lnTo>
             </a:path>
           </a:pathLst>
@@ -2587,8 +2541,8 @@
       </dsp:nvSpPr>
       <dsp:spPr>
         <a:xfrm>
-          <a:off x="9288656" y="3050774"/>
-          <a:ext cx="520918" cy="247910"/>
+          <a:off x="9039999" y="3034450"/>
+          <a:ext cx="571253" cy="271864"/>
         </a:xfrm>
         <a:custGeom>
           <a:avLst/>
@@ -2602,13 +2556,13 @@
                 <a:pt x="0" y="0"/>
               </a:moveTo>
               <a:lnTo>
-                <a:pt x="0" y="168943"/>
+                <a:pt x="0" y="185267"/>
               </a:lnTo>
               <a:lnTo>
-                <a:pt x="520918" y="168943"/>
+                <a:pt x="571253" y="185267"/>
               </a:lnTo>
               <a:lnTo>
-                <a:pt x="520918" y="247910"/>
+                <a:pt x="571253" y="271864"/>
               </a:lnTo>
             </a:path>
           </a:pathLst>
@@ -2649,8 +2603,8 @@
       </dsp:nvSpPr>
       <dsp:spPr>
         <a:xfrm>
-          <a:off x="8767737" y="3050774"/>
-          <a:ext cx="520918" cy="247910"/>
+          <a:off x="8468746" y="3034450"/>
+          <a:ext cx="571253" cy="271864"/>
         </a:xfrm>
         <a:custGeom>
           <a:avLst/>
@@ -2661,16 +2615,16 @@
           <a:pathLst>
             <a:path>
               <a:moveTo>
-                <a:pt x="520918" y="0"/>
+                <a:pt x="571253" y="0"/>
               </a:moveTo>
               <a:lnTo>
-                <a:pt x="520918" y="168943"/>
+                <a:pt x="571253" y="185267"/>
               </a:lnTo>
               <a:lnTo>
-                <a:pt x="0" y="168943"/>
+                <a:pt x="0" y="185267"/>
               </a:lnTo>
               <a:lnTo>
-                <a:pt x="0" y="247910"/>
+                <a:pt x="0" y="271864"/>
               </a:lnTo>
             </a:path>
           </a:pathLst>
@@ -2711,8 +2665,8 @@
       </dsp:nvSpPr>
       <dsp:spPr>
         <a:xfrm>
-          <a:off x="5902683" y="2261582"/>
-          <a:ext cx="3385973" cy="247910"/>
+          <a:off x="5898107" y="2169001"/>
+          <a:ext cx="3141892" cy="271864"/>
         </a:xfrm>
         <a:custGeom>
           <a:avLst/>
@@ -2726,13 +2680,13 @@
                 <a:pt x="0" y="0"/>
               </a:moveTo>
               <a:lnTo>
-                <a:pt x="0" y="168943"/>
+                <a:pt x="0" y="185267"/>
               </a:lnTo>
               <a:lnTo>
-                <a:pt x="3385973" y="168943"/>
+                <a:pt x="3141892" y="185267"/>
               </a:lnTo>
               <a:lnTo>
-                <a:pt x="3385973" y="247910"/>
+                <a:pt x="3141892" y="271864"/>
               </a:lnTo>
             </a:path>
           </a:pathLst>
@@ -2773,8 +2727,8 @@
       </dsp:nvSpPr>
       <dsp:spPr>
         <a:xfrm>
-          <a:off x="6163142" y="3050774"/>
-          <a:ext cx="1562756" cy="247910"/>
+          <a:off x="5612480" y="3034450"/>
+          <a:ext cx="1713759" cy="271864"/>
         </a:xfrm>
         <a:custGeom>
           <a:avLst/>
@@ -2788,13 +2742,13 @@
                 <a:pt x="0" y="0"/>
               </a:moveTo>
               <a:lnTo>
-                <a:pt x="0" y="168943"/>
+                <a:pt x="0" y="185267"/>
               </a:lnTo>
               <a:lnTo>
-                <a:pt x="1562756" y="168943"/>
+                <a:pt x="1713759" y="185267"/>
               </a:lnTo>
               <a:lnTo>
-                <a:pt x="1562756" y="247910"/>
+                <a:pt x="1713759" y="271864"/>
               </a:lnTo>
             </a:path>
           </a:pathLst>
@@ -2835,8 +2789,8 @@
       </dsp:nvSpPr>
       <dsp:spPr>
         <a:xfrm>
-          <a:off x="6163142" y="3050774"/>
-          <a:ext cx="520918" cy="247910"/>
+          <a:off x="5612480" y="3034450"/>
+          <a:ext cx="571253" cy="271864"/>
         </a:xfrm>
         <a:custGeom>
           <a:avLst/>
@@ -2850,13 +2804,13 @@
                 <a:pt x="0" y="0"/>
               </a:moveTo>
               <a:lnTo>
-                <a:pt x="0" y="168943"/>
+                <a:pt x="0" y="185267"/>
               </a:lnTo>
               <a:lnTo>
-                <a:pt x="520918" y="168943"/>
+                <a:pt x="571253" y="185267"/>
               </a:lnTo>
               <a:lnTo>
-                <a:pt x="520918" y="247910"/>
+                <a:pt x="571253" y="271864"/>
               </a:lnTo>
             </a:path>
           </a:pathLst>
@@ -2897,8 +2851,8 @@
       </dsp:nvSpPr>
       <dsp:spPr>
         <a:xfrm>
-          <a:off x="5596503" y="3839966"/>
-          <a:ext cx="91440" cy="247910"/>
+          <a:off x="4995507" y="3899898"/>
+          <a:ext cx="91440" cy="271864"/>
         </a:xfrm>
         <a:custGeom>
           <a:avLst/>
@@ -2912,7 +2866,7 @@
                 <a:pt x="45720" y="0"/>
               </a:moveTo>
               <a:lnTo>
-                <a:pt x="45720" y="247910"/>
+                <a:pt x="45720" y="271864"/>
               </a:lnTo>
             </a:path>
           </a:pathLst>
@@ -2953,8 +2907,8 @@
       </dsp:nvSpPr>
       <dsp:spPr>
         <a:xfrm>
-          <a:off x="5642223" y="3050774"/>
-          <a:ext cx="520918" cy="247910"/>
+          <a:off x="5041227" y="3034450"/>
+          <a:ext cx="571253" cy="271864"/>
         </a:xfrm>
         <a:custGeom>
           <a:avLst/>
@@ -2965,16 +2919,16 @@
           <a:pathLst>
             <a:path>
               <a:moveTo>
-                <a:pt x="520918" y="0"/>
+                <a:pt x="571253" y="0"/>
               </a:moveTo>
               <a:lnTo>
-                <a:pt x="520918" y="168943"/>
+                <a:pt x="571253" y="185267"/>
               </a:lnTo>
               <a:lnTo>
-                <a:pt x="0" y="168943"/>
+                <a:pt x="0" y="185267"/>
               </a:lnTo>
               <a:lnTo>
-                <a:pt x="0" y="247910"/>
+                <a:pt x="0" y="271864"/>
               </a:lnTo>
             </a:path>
           </a:pathLst>
@@ -3015,8 +2969,8 @@
       </dsp:nvSpPr>
       <dsp:spPr>
         <a:xfrm>
-          <a:off x="4600385" y="3050774"/>
-          <a:ext cx="1562756" cy="247910"/>
+          <a:off x="3898721" y="3034450"/>
+          <a:ext cx="1713759" cy="271864"/>
         </a:xfrm>
         <a:custGeom>
           <a:avLst/>
@@ -3027,16 +2981,16 @@
           <a:pathLst>
             <a:path>
               <a:moveTo>
-                <a:pt x="1562756" y="0"/>
+                <a:pt x="1713759" y="0"/>
               </a:moveTo>
               <a:lnTo>
-                <a:pt x="1562756" y="168943"/>
+                <a:pt x="1713759" y="185267"/>
               </a:lnTo>
               <a:lnTo>
-                <a:pt x="0" y="168943"/>
+                <a:pt x="0" y="185267"/>
               </a:lnTo>
               <a:lnTo>
-                <a:pt x="0" y="247910"/>
+                <a:pt x="0" y="271864"/>
               </a:lnTo>
             </a:path>
           </a:pathLst>
@@ -3077,8 +3031,8 @@
       </dsp:nvSpPr>
       <dsp:spPr>
         <a:xfrm>
-          <a:off x="5902683" y="2261582"/>
-          <a:ext cx="260459" cy="247910"/>
+          <a:off x="5612480" y="2169001"/>
+          <a:ext cx="285626" cy="271864"/>
         </a:xfrm>
         <a:custGeom>
           <a:avLst/>
@@ -3089,16 +3043,16 @@
           <a:pathLst>
             <a:path>
               <a:moveTo>
-                <a:pt x="0" y="0"/>
+                <a:pt x="285626" y="0"/>
               </a:moveTo>
               <a:lnTo>
-                <a:pt x="0" y="168943"/>
+                <a:pt x="285626" y="185267"/>
               </a:lnTo>
               <a:lnTo>
-                <a:pt x="260459" y="168943"/>
+                <a:pt x="0" y="185267"/>
               </a:lnTo>
               <a:lnTo>
-                <a:pt x="260459" y="247910"/>
+                <a:pt x="0" y="271864"/>
               </a:lnTo>
             </a:path>
           </a:pathLst>
@@ -3139,8 +3093,8 @@
       </dsp:nvSpPr>
       <dsp:spPr>
         <a:xfrm>
-          <a:off x="3037628" y="3050774"/>
-          <a:ext cx="511568" cy="271298"/>
+          <a:off x="2184961" y="3034450"/>
+          <a:ext cx="560998" cy="297513"/>
         </a:xfrm>
         <a:custGeom>
           <a:avLst/>
@@ -3154,13 +3108,13 @@
                 <a:pt x="0" y="0"/>
               </a:moveTo>
               <a:lnTo>
-                <a:pt x="0" y="192332"/>
+                <a:pt x="0" y="210916"/>
               </a:lnTo>
               <a:lnTo>
-                <a:pt x="511568" y="192332"/>
+                <a:pt x="560998" y="210916"/>
               </a:lnTo>
               <a:lnTo>
-                <a:pt x="511568" y="271298"/>
+                <a:pt x="560998" y="297513"/>
               </a:lnTo>
             </a:path>
           </a:pathLst>
@@ -3201,8 +3155,8 @@
       </dsp:nvSpPr>
       <dsp:spPr>
         <a:xfrm>
-          <a:off x="2517059" y="3050774"/>
-          <a:ext cx="520569" cy="272625"/>
+          <a:off x="1614091" y="3034450"/>
+          <a:ext cx="570869" cy="298967"/>
         </a:xfrm>
         <a:custGeom>
           <a:avLst/>
@@ -3213,16 +3167,16 @@
           <a:pathLst>
             <a:path>
               <a:moveTo>
-                <a:pt x="520569" y="0"/>
+                <a:pt x="570869" y="0"/>
               </a:moveTo>
               <a:lnTo>
-                <a:pt x="520569" y="193658"/>
+                <a:pt x="570869" y="212370"/>
               </a:lnTo>
               <a:lnTo>
-                <a:pt x="0" y="193658"/>
+                <a:pt x="0" y="212370"/>
               </a:lnTo>
               <a:lnTo>
-                <a:pt x="0" y="272625"/>
+                <a:pt x="0" y="298967"/>
               </a:lnTo>
             </a:path>
           </a:pathLst>
@@ -3263,8 +3217,8 @@
       </dsp:nvSpPr>
       <dsp:spPr>
         <a:xfrm>
-          <a:off x="3037628" y="2261582"/>
-          <a:ext cx="2865054" cy="247910"/>
+          <a:off x="2184961" y="2169001"/>
+          <a:ext cx="3713145" cy="271864"/>
         </a:xfrm>
         <a:custGeom>
           <a:avLst/>
@@ -3275,16 +3229,16 @@
           <a:pathLst>
             <a:path>
               <a:moveTo>
-                <a:pt x="2865054" y="0"/>
+                <a:pt x="3713145" y="0"/>
               </a:moveTo>
               <a:lnTo>
-                <a:pt x="2865054" y="168943"/>
+                <a:pt x="3713145" y="185267"/>
               </a:lnTo>
               <a:lnTo>
-                <a:pt x="0" y="168943"/>
+                <a:pt x="0" y="185267"/>
               </a:lnTo>
               <a:lnTo>
-                <a:pt x="0" y="247910"/>
+                <a:pt x="0" y="271864"/>
               </a:lnTo>
             </a:path>
           </a:pathLst>
@@ -3325,8 +3279,8 @@
       </dsp:nvSpPr>
       <dsp:spPr>
         <a:xfrm>
-          <a:off x="1429151" y="3050774"/>
-          <a:ext cx="91440" cy="247910"/>
+          <a:off x="425482" y="3034450"/>
+          <a:ext cx="91440" cy="271864"/>
         </a:xfrm>
         <a:custGeom>
           <a:avLst/>
@@ -3340,7 +3294,7 @@
                 <a:pt x="45720" y="0"/>
               </a:moveTo>
               <a:lnTo>
-                <a:pt x="45720" y="247910"/>
+                <a:pt x="45720" y="271864"/>
               </a:lnTo>
             </a:path>
           </a:pathLst>
@@ -3381,8 +3335,8 @@
       </dsp:nvSpPr>
       <dsp:spPr>
         <a:xfrm>
-          <a:off x="1474871" y="2261582"/>
-          <a:ext cx="4427811" cy="247910"/>
+          <a:off x="471202" y="2169001"/>
+          <a:ext cx="5426905" cy="271864"/>
         </a:xfrm>
         <a:custGeom>
           <a:avLst/>
@@ -3393,16 +3347,16 @@
           <a:pathLst>
             <a:path>
               <a:moveTo>
-                <a:pt x="4427811" y="0"/>
+                <a:pt x="5426905" y="0"/>
               </a:moveTo>
               <a:lnTo>
-                <a:pt x="4427811" y="168943"/>
+                <a:pt x="5426905" y="185267"/>
               </a:lnTo>
               <a:lnTo>
-                <a:pt x="0" y="168943"/>
+                <a:pt x="0" y="185267"/>
               </a:lnTo>
               <a:lnTo>
-                <a:pt x="0" y="247910"/>
+                <a:pt x="0" y="271864"/>
               </a:lnTo>
             </a:path>
           </a:pathLst>
@@ -3436,68 +3390,6 @@
         <a:fontRef idx="minor"/>
       </dsp:style>
     </dsp:sp>
-    <dsp:sp modelId="{F6ECBCA2-DB27-4669-9640-4AF009594EAF}">
-      <dsp:nvSpPr>
-        <dsp:cNvPr id="0" name=""/>
-        <dsp:cNvSpPr/>
-      </dsp:nvSpPr>
-      <dsp:spPr>
-        <a:xfrm>
-          <a:off x="433033" y="2261582"/>
-          <a:ext cx="5469649" cy="247910"/>
-        </a:xfrm>
-        <a:custGeom>
-          <a:avLst/>
-          <a:gdLst/>
-          <a:ahLst/>
-          <a:cxnLst/>
-          <a:rect l="0" t="0" r="0" b="0"/>
-          <a:pathLst>
-            <a:path>
-              <a:moveTo>
-                <a:pt x="5469649" y="0"/>
-              </a:moveTo>
-              <a:lnTo>
-                <a:pt x="5469649" y="168943"/>
-              </a:lnTo>
-              <a:lnTo>
-                <a:pt x="0" y="168943"/>
-              </a:lnTo>
-              <a:lnTo>
-                <a:pt x="0" y="247910"/>
-              </a:lnTo>
-            </a:path>
-          </a:pathLst>
-        </a:custGeom>
-        <a:noFill/>
-        <a:ln w="12700" cap="flat" cmpd="sng" algn="ctr">
-          <a:solidFill>
-            <a:schemeClr val="accent1">
-              <a:shade val="60000"/>
-              <a:hueOff val="0"/>
-              <a:satOff val="0"/>
-              <a:lumOff val="0"/>
-              <a:alphaOff val="0"/>
-            </a:schemeClr>
-          </a:solidFill>
-          <a:prstDash val="solid"/>
-          <a:miter lim="800000"/>
-        </a:ln>
-        <a:effectLst/>
-      </dsp:spPr>
-      <dsp:style>
-        <a:lnRef idx="2">
-          <a:scrgbClr r="0" g="0" b="0"/>
-        </a:lnRef>
-        <a:fillRef idx="0">
-          <a:scrgbClr r="0" g="0" b="0"/>
-        </a:fillRef>
-        <a:effectRef idx="0">
-          <a:scrgbClr r="0" g="0" b="0"/>
-        </a:effectRef>
-        <a:fontRef idx="minor"/>
-      </dsp:style>
-    </dsp:sp>
     <dsp:sp modelId="{D1BED796-9378-4FA4-9D8C-2ED529E68DCA}">
       <dsp:nvSpPr>
         <dsp:cNvPr id="0" name=""/>
@@ -3505,8 +3397,8 @@
       </dsp:nvSpPr>
       <dsp:spPr>
         <a:xfrm>
-          <a:off x="4996031" y="1720300"/>
-          <a:ext cx="1813303" cy="541282"/>
+          <a:off x="4903849" y="1575417"/>
+          <a:ext cx="1988515" cy="593583"/>
         </a:xfrm>
         <a:prstGeom prst="roundRect">
           <a:avLst>
@@ -3557,8 +3449,8 @@
       </dsp:nvSpPr>
       <dsp:spPr>
         <a:xfrm>
-          <a:off x="5090743" y="1810276"/>
-          <a:ext cx="1813303" cy="541282"/>
+          <a:off x="5007713" y="1674088"/>
+          <a:ext cx="1988515" cy="593583"/>
         </a:xfrm>
         <a:prstGeom prst="roundRect">
           <a:avLst>
@@ -3632,19 +3524,19 @@
         </a:p>
       </dsp:txBody>
       <dsp:txXfrm>
-        <a:off x="5106597" y="1826130"/>
-        <a:ext cx="1781595" cy="509574"/>
+        <a:off x="5025098" y="1691473"/>
+        <a:ext cx="1953745" cy="558813"/>
       </dsp:txXfrm>
     </dsp:sp>
-    <dsp:sp modelId="{B19C4959-5E6C-47B8-B645-671128CF5577}">
+    <dsp:sp modelId="{796E2750-10EE-472B-9217-32E32D93D7CC}">
       <dsp:nvSpPr>
         <dsp:cNvPr id="0" name=""/>
         <dsp:cNvSpPr/>
       </dsp:nvSpPr>
       <dsp:spPr>
         <a:xfrm>
-          <a:off x="6827" y="2509492"/>
-          <a:ext cx="852412" cy="541282"/>
+          <a:off x="3813" y="2440866"/>
+          <a:ext cx="934777" cy="593583"/>
         </a:xfrm>
         <a:prstGeom prst="roundRect">
           <a:avLst>
@@ -3688,15 +3580,15 @@
         </a:fontRef>
       </dsp:style>
     </dsp:sp>
-    <dsp:sp modelId="{73408D6B-AF5D-4A36-B7BE-3AC9A8BFFBEE}">
+    <dsp:sp modelId="{FE3D4E2A-6F6D-4AD6-BF52-BA9FEA686BCC}">
       <dsp:nvSpPr>
         <dsp:cNvPr id="0" name=""/>
         <dsp:cNvSpPr/>
       </dsp:nvSpPr>
       <dsp:spPr>
         <a:xfrm>
-          <a:off x="101539" y="2599469"/>
-          <a:ext cx="852412" cy="541282"/>
+          <a:off x="107677" y="2539537"/>
+          <a:ext cx="934777" cy="593583"/>
         </a:xfrm>
         <a:prstGeom prst="roundRect">
           <a:avLst>
@@ -3756,26 +3648,26 @@
             </a:spcAft>
           </a:pPr>
           <a:r>
-            <a:rPr lang="en-PH" sz="1200" b="0" kern="1200" dirty="0" smtClean="0"/>
-            <a:t>How-To Module</a:t>
+            <a:rPr lang="en-PH" sz="1200" kern="1200" dirty="0" smtClean="0"/>
+            <a:t>Create Account </a:t>
           </a:r>
-          <a:endParaRPr lang="en-PH" sz="1200" b="0" kern="1200" dirty="0"/>
+          <a:endParaRPr lang="en-PH" sz="1200" kern="1200" dirty="0"/>
         </a:p>
       </dsp:txBody>
       <dsp:txXfrm>
-        <a:off x="117393" y="2615323"/>
-        <a:ext cx="820704" cy="509574"/>
+        <a:off x="125062" y="2556922"/>
+        <a:ext cx="900007" cy="558813"/>
       </dsp:txXfrm>
     </dsp:sp>
-    <dsp:sp modelId="{796E2750-10EE-472B-9217-32E32D93D7CC}">
+    <dsp:sp modelId="{9F2C0BDE-0EC2-4754-B990-723A8E0F0284}">
       <dsp:nvSpPr>
         <dsp:cNvPr id="0" name=""/>
         <dsp:cNvSpPr/>
       </dsp:nvSpPr>
       <dsp:spPr>
         <a:xfrm>
-          <a:off x="1048665" y="2509492"/>
-          <a:ext cx="852412" cy="541282"/>
+          <a:off x="3813" y="3306314"/>
+          <a:ext cx="934777" cy="593583"/>
         </a:xfrm>
         <a:prstGeom prst="roundRect">
           <a:avLst>
@@ -3819,15 +3711,15 @@
         </a:fontRef>
       </dsp:style>
     </dsp:sp>
-    <dsp:sp modelId="{FE3D4E2A-6F6D-4AD6-BF52-BA9FEA686BCC}">
+    <dsp:sp modelId="{EAC91DCC-948E-4377-B972-4E9B2045816E}">
       <dsp:nvSpPr>
         <dsp:cNvPr id="0" name=""/>
         <dsp:cNvSpPr/>
       </dsp:nvSpPr>
       <dsp:spPr>
         <a:xfrm>
-          <a:off x="1143377" y="2599469"/>
-          <a:ext cx="852412" cy="541282"/>
+          <a:off x="107677" y="3404985"/>
+          <a:ext cx="934777" cy="593583"/>
         </a:xfrm>
         <a:prstGeom prst="roundRect">
           <a:avLst>
@@ -3888,25 +3780,25 @@
           </a:pPr>
           <a:r>
             <a:rPr lang="en-PH" sz="1200" kern="1200" dirty="0" smtClean="0"/>
-            <a:t>Create Account </a:t>
+            <a:t>Log In</a:t>
           </a:r>
           <a:endParaRPr lang="en-PH" sz="1200" kern="1200" dirty="0"/>
         </a:p>
       </dsp:txBody>
       <dsp:txXfrm>
-        <a:off x="1159231" y="2615323"/>
-        <a:ext cx="820704" cy="509574"/>
+        <a:off x="125062" y="3422370"/>
+        <a:ext cx="900007" cy="558813"/>
       </dsp:txXfrm>
     </dsp:sp>
-    <dsp:sp modelId="{9F2C0BDE-0EC2-4754-B990-723A8E0F0284}">
+    <dsp:sp modelId="{78F68D68-3F80-42D4-90A3-A3AAD775A149}">
       <dsp:nvSpPr>
         <dsp:cNvPr id="0" name=""/>
         <dsp:cNvSpPr/>
       </dsp:nvSpPr>
       <dsp:spPr>
         <a:xfrm>
-          <a:off x="1048665" y="3298684"/>
-          <a:ext cx="852412" cy="541282"/>
+          <a:off x="1717572" y="2440866"/>
+          <a:ext cx="934777" cy="593583"/>
         </a:xfrm>
         <a:prstGeom prst="roundRect">
           <a:avLst>
@@ -3950,15 +3842,15 @@
         </a:fontRef>
       </dsp:style>
     </dsp:sp>
-    <dsp:sp modelId="{EAC91DCC-948E-4377-B972-4E9B2045816E}">
+    <dsp:sp modelId="{1BD48325-E5D8-4F94-A117-BB283C4AA14F}">
       <dsp:nvSpPr>
         <dsp:cNvPr id="0" name=""/>
         <dsp:cNvSpPr/>
       </dsp:nvSpPr>
       <dsp:spPr>
         <a:xfrm>
-          <a:off x="1143377" y="3388661"/>
-          <a:ext cx="852412" cy="541282"/>
+          <a:off x="1821436" y="2539537"/>
+          <a:ext cx="934777" cy="593583"/>
         </a:xfrm>
         <a:prstGeom prst="roundRect">
           <a:avLst>
@@ -4019,25 +3911,25 @@
           </a:pPr>
           <a:r>
             <a:rPr lang="en-PH" sz="1200" kern="1200" dirty="0" smtClean="0"/>
-            <a:t>Log In</a:t>
+            <a:t>List a Vehicle</a:t>
           </a:r>
           <a:endParaRPr lang="en-PH" sz="1200" kern="1200" dirty="0"/>
         </a:p>
       </dsp:txBody>
       <dsp:txXfrm>
-        <a:off x="1159231" y="3404515"/>
-        <a:ext cx="820704" cy="509574"/>
+        <a:off x="1838821" y="2556922"/>
+        <a:ext cx="900007" cy="558813"/>
       </dsp:txXfrm>
     </dsp:sp>
-    <dsp:sp modelId="{78F68D68-3F80-42D4-90A3-A3AAD775A149}">
+    <dsp:sp modelId="{D72A7D99-7F40-463C-8956-D3AD6181307A}">
       <dsp:nvSpPr>
         <dsp:cNvPr id="0" name=""/>
         <dsp:cNvSpPr/>
       </dsp:nvSpPr>
       <dsp:spPr>
         <a:xfrm>
-          <a:off x="2611422" y="2509492"/>
-          <a:ext cx="852412" cy="541282"/>
+          <a:off x="1146702" y="3333417"/>
+          <a:ext cx="934777" cy="593583"/>
         </a:xfrm>
         <a:prstGeom prst="roundRect">
           <a:avLst>
@@ -4081,15 +3973,15 @@
         </a:fontRef>
       </dsp:style>
     </dsp:sp>
-    <dsp:sp modelId="{1BD48325-E5D8-4F94-A117-BB283C4AA14F}">
+    <dsp:sp modelId="{F28F3A04-CC50-4152-BBA8-5BC1F149C29B}">
       <dsp:nvSpPr>
         <dsp:cNvPr id="0" name=""/>
         <dsp:cNvSpPr/>
       </dsp:nvSpPr>
       <dsp:spPr>
         <a:xfrm>
-          <a:off x="2706134" y="2599469"/>
-          <a:ext cx="852412" cy="541282"/>
+          <a:off x="1250567" y="3432088"/>
+          <a:ext cx="934777" cy="593583"/>
         </a:xfrm>
         <a:prstGeom prst="roundRect">
           <a:avLst>
@@ -4150,25 +4042,25 @@
           </a:pPr>
           <a:r>
             <a:rPr lang="en-PH" sz="1200" kern="1200" dirty="0" smtClean="0"/>
-            <a:t>List a Vehicle</a:t>
+            <a:t>Input Vehicle Information</a:t>
           </a:r>
           <a:endParaRPr lang="en-PH" sz="1200" kern="1200" dirty="0"/>
         </a:p>
       </dsp:txBody>
       <dsp:txXfrm>
-        <a:off x="2721988" y="2615323"/>
-        <a:ext cx="820704" cy="509574"/>
+        <a:off x="1267952" y="3449473"/>
+        <a:ext cx="900007" cy="558813"/>
       </dsp:txXfrm>
     </dsp:sp>
-    <dsp:sp modelId="{D72A7D99-7F40-463C-8956-D3AD6181307A}">
+    <dsp:sp modelId="{8FE8B806-F90F-48DB-87F1-B2D54E01C98B}">
       <dsp:nvSpPr>
         <dsp:cNvPr id="0" name=""/>
         <dsp:cNvSpPr/>
       </dsp:nvSpPr>
       <dsp:spPr>
         <a:xfrm>
-          <a:off x="2090852" y="3323399"/>
-          <a:ext cx="852412" cy="541282"/>
+          <a:off x="2278571" y="3331963"/>
+          <a:ext cx="934777" cy="593583"/>
         </a:xfrm>
         <a:prstGeom prst="roundRect">
           <a:avLst>
@@ -4212,15 +4104,15 @@
         </a:fontRef>
       </dsp:style>
     </dsp:sp>
-    <dsp:sp modelId="{F28F3A04-CC50-4152-BBA8-5BC1F149C29B}">
+    <dsp:sp modelId="{0DAA6FC2-8FCE-4650-9338-2EB7007F42FA}">
       <dsp:nvSpPr>
         <dsp:cNvPr id="0" name=""/>
         <dsp:cNvSpPr/>
       </dsp:nvSpPr>
       <dsp:spPr>
         <a:xfrm>
-          <a:off x="2185565" y="3413376"/>
-          <a:ext cx="852412" cy="541282"/>
+          <a:off x="2382435" y="3430634"/>
+          <a:ext cx="934777" cy="593583"/>
         </a:xfrm>
         <a:prstGeom prst="roundRect">
           <a:avLst>
@@ -4281,25 +4173,25 @@
           </a:pPr>
           <a:r>
             <a:rPr lang="en-PH" sz="1200" kern="1200" dirty="0" smtClean="0"/>
-            <a:t>Input Vehicle Information</a:t>
+            <a:t>Upload Documents</a:t>
           </a:r>
           <a:endParaRPr lang="en-PH" sz="1200" kern="1200" dirty="0"/>
         </a:p>
       </dsp:txBody>
       <dsp:txXfrm>
-        <a:off x="2201419" y="3429230"/>
-        <a:ext cx="820704" cy="509574"/>
+        <a:off x="2399820" y="3448019"/>
+        <a:ext cx="900007" cy="558813"/>
       </dsp:txXfrm>
     </dsp:sp>
-    <dsp:sp modelId="{8FE8B806-F90F-48DB-87F1-B2D54E01C98B}">
+    <dsp:sp modelId="{E7BA65C3-E9F2-458F-8433-E7E28E16007D}">
       <dsp:nvSpPr>
         <dsp:cNvPr id="0" name=""/>
         <dsp:cNvSpPr/>
       </dsp:nvSpPr>
       <dsp:spPr>
         <a:xfrm>
-          <a:off x="3122990" y="3322073"/>
-          <a:ext cx="852412" cy="541282"/>
+          <a:off x="5145091" y="2440866"/>
+          <a:ext cx="934777" cy="593583"/>
         </a:xfrm>
         <a:prstGeom prst="roundRect">
           <a:avLst>
@@ -4343,15 +4235,15 @@
         </a:fontRef>
       </dsp:style>
     </dsp:sp>
-    <dsp:sp modelId="{0DAA6FC2-8FCE-4650-9338-2EB7007F42FA}">
+    <dsp:sp modelId="{39CB466C-06C8-41DF-B055-1FBEE94B1770}">
       <dsp:nvSpPr>
         <dsp:cNvPr id="0" name=""/>
         <dsp:cNvSpPr/>
       </dsp:nvSpPr>
       <dsp:spPr>
         <a:xfrm>
-          <a:off x="3217702" y="3412050"/>
-          <a:ext cx="852412" cy="541282"/>
+          <a:off x="5248956" y="2539537"/>
+          <a:ext cx="934777" cy="593583"/>
         </a:xfrm>
         <a:prstGeom prst="roundRect">
           <a:avLst>
@@ -4412,25 +4304,25 @@
           </a:pPr>
           <a:r>
             <a:rPr lang="en-PH" sz="1200" kern="1200" dirty="0" smtClean="0"/>
-            <a:t>Upload Documents</a:t>
+            <a:t>Rent a Vehicle</a:t>
           </a:r>
           <a:endParaRPr lang="en-PH" sz="1200" kern="1200" dirty="0"/>
         </a:p>
       </dsp:txBody>
       <dsp:txXfrm>
-        <a:off x="3233556" y="3427904"/>
-        <a:ext cx="820704" cy="509574"/>
+        <a:off x="5266341" y="2556922"/>
+        <a:ext cx="900007" cy="558813"/>
       </dsp:txXfrm>
     </dsp:sp>
-    <dsp:sp modelId="{E7BA65C3-E9F2-458F-8433-E7E28E16007D}">
+    <dsp:sp modelId="{C25A7BCB-0C90-49B6-B7A7-400AFFF96F22}">
       <dsp:nvSpPr>
         <dsp:cNvPr id="0" name=""/>
         <dsp:cNvSpPr/>
       </dsp:nvSpPr>
       <dsp:spPr>
         <a:xfrm>
-          <a:off x="5736936" y="2509492"/>
-          <a:ext cx="852412" cy="541282"/>
+          <a:off x="3431332" y="3306314"/>
+          <a:ext cx="934777" cy="593583"/>
         </a:xfrm>
         <a:prstGeom prst="roundRect">
           <a:avLst>
@@ -4474,15 +4366,15 @@
         </a:fontRef>
       </dsp:style>
     </dsp:sp>
-    <dsp:sp modelId="{39CB466C-06C8-41DF-B055-1FBEE94B1770}">
+    <dsp:sp modelId="{6429AB1B-522C-41C5-87CA-D80496600998}">
       <dsp:nvSpPr>
         <dsp:cNvPr id="0" name=""/>
         <dsp:cNvSpPr/>
       </dsp:nvSpPr>
       <dsp:spPr>
         <a:xfrm>
-          <a:off x="5831648" y="2599469"/>
-          <a:ext cx="852412" cy="541282"/>
+          <a:off x="3535196" y="3404985"/>
+          <a:ext cx="934777" cy="593583"/>
         </a:xfrm>
         <a:prstGeom prst="roundRect">
           <a:avLst>
@@ -4543,25 +4435,25 @@
           </a:pPr>
           <a:r>
             <a:rPr lang="en-PH" sz="1200" kern="1200" dirty="0" smtClean="0"/>
-            <a:t>Rent a Vehicle</a:t>
+            <a:t>Search</a:t>
           </a:r>
           <a:endParaRPr lang="en-PH" sz="1200" kern="1200" dirty="0"/>
         </a:p>
       </dsp:txBody>
       <dsp:txXfrm>
-        <a:off x="5847502" y="2615323"/>
-        <a:ext cx="820704" cy="509574"/>
+        <a:off x="3552581" y="3422370"/>
+        <a:ext cx="900007" cy="558813"/>
       </dsp:txXfrm>
     </dsp:sp>
-    <dsp:sp modelId="{C25A7BCB-0C90-49B6-B7A7-400AFFF96F22}">
+    <dsp:sp modelId="{CDE45E0A-01E8-426C-B296-C36638D0BFEE}">
       <dsp:nvSpPr>
         <dsp:cNvPr id="0" name=""/>
         <dsp:cNvSpPr/>
       </dsp:nvSpPr>
       <dsp:spPr>
         <a:xfrm>
-          <a:off x="4174179" y="3298684"/>
-          <a:ext cx="852412" cy="541282"/>
+          <a:off x="4573838" y="3306314"/>
+          <a:ext cx="934777" cy="593583"/>
         </a:xfrm>
         <a:prstGeom prst="roundRect">
           <a:avLst>
@@ -4605,15 +4497,15 @@
         </a:fontRef>
       </dsp:style>
     </dsp:sp>
-    <dsp:sp modelId="{6429AB1B-522C-41C5-87CA-D80496600998}">
+    <dsp:sp modelId="{1A8EFF5F-A8E8-4510-9D97-8C1D3F7C9E8E}">
       <dsp:nvSpPr>
         <dsp:cNvPr id="0" name=""/>
         <dsp:cNvSpPr/>
       </dsp:nvSpPr>
       <dsp:spPr>
         <a:xfrm>
-          <a:off x="4268891" y="3388661"/>
-          <a:ext cx="852412" cy="541282"/>
+          <a:off x="4677702" y="3404985"/>
+          <a:ext cx="934777" cy="593583"/>
         </a:xfrm>
         <a:prstGeom prst="roundRect">
           <a:avLst>
@@ -4674,25 +4566,25 @@
           </a:pPr>
           <a:r>
             <a:rPr lang="en-PH" sz="1200" kern="1200" dirty="0" smtClean="0"/>
-            <a:t>Search</a:t>
+            <a:t>View Vehicle Details</a:t>
           </a:r>
           <a:endParaRPr lang="en-PH" sz="1200" kern="1200" dirty="0"/>
         </a:p>
       </dsp:txBody>
       <dsp:txXfrm>
-        <a:off x="4284745" y="3404515"/>
-        <a:ext cx="820704" cy="509574"/>
+        <a:off x="4695087" y="3422370"/>
+        <a:ext cx="900007" cy="558813"/>
       </dsp:txXfrm>
     </dsp:sp>
-    <dsp:sp modelId="{CDE45E0A-01E8-426C-B296-C36638D0BFEE}">
+    <dsp:sp modelId="{EA440C0C-63BD-4F3C-A198-6D6B563883DB}">
       <dsp:nvSpPr>
         <dsp:cNvPr id="0" name=""/>
         <dsp:cNvSpPr/>
       </dsp:nvSpPr>
       <dsp:spPr>
         <a:xfrm>
-          <a:off x="5216017" y="3298684"/>
-          <a:ext cx="852412" cy="541282"/>
+          <a:off x="4573838" y="4171763"/>
+          <a:ext cx="934777" cy="593583"/>
         </a:xfrm>
         <a:prstGeom prst="roundRect">
           <a:avLst>
@@ -4736,15 +4628,15 @@
         </a:fontRef>
       </dsp:style>
     </dsp:sp>
-    <dsp:sp modelId="{1A8EFF5F-A8E8-4510-9D97-8C1D3F7C9E8E}">
+    <dsp:sp modelId="{FE060399-013C-471F-924F-DEC89F3DFD88}">
       <dsp:nvSpPr>
         <dsp:cNvPr id="0" name=""/>
         <dsp:cNvSpPr/>
       </dsp:nvSpPr>
       <dsp:spPr>
         <a:xfrm>
-          <a:off x="5310729" y="3388661"/>
-          <a:ext cx="852412" cy="541282"/>
+          <a:off x="4677702" y="4270434"/>
+          <a:ext cx="934777" cy="593583"/>
         </a:xfrm>
         <a:prstGeom prst="roundRect">
           <a:avLst>
@@ -4805,25 +4697,25 @@
           </a:pPr>
           <a:r>
             <a:rPr lang="en-PH" sz="1200" kern="1200" dirty="0" smtClean="0"/>
-            <a:t>View Vehicle Details</a:t>
+            <a:t>View Profile</a:t>
           </a:r>
           <a:endParaRPr lang="en-PH" sz="1200" kern="1200" dirty="0"/>
         </a:p>
       </dsp:txBody>
       <dsp:txXfrm>
-        <a:off x="5326583" y="3404515"/>
-        <a:ext cx="820704" cy="509574"/>
+        <a:off x="4695087" y="4287819"/>
+        <a:ext cx="900007" cy="558813"/>
       </dsp:txXfrm>
     </dsp:sp>
-    <dsp:sp modelId="{EA440C0C-63BD-4F3C-A198-6D6B563883DB}">
+    <dsp:sp modelId="{320D0201-221C-4A96-B759-0D3C07FBF93D}">
       <dsp:nvSpPr>
         <dsp:cNvPr id="0" name=""/>
         <dsp:cNvSpPr/>
       </dsp:nvSpPr>
       <dsp:spPr>
         <a:xfrm>
-          <a:off x="5216017" y="4087876"/>
-          <a:ext cx="852412" cy="541282"/>
+          <a:off x="5716345" y="3306314"/>
+          <a:ext cx="934777" cy="593583"/>
         </a:xfrm>
         <a:prstGeom prst="roundRect">
           <a:avLst>
@@ -4867,15 +4759,15 @@
         </a:fontRef>
       </dsp:style>
     </dsp:sp>
-    <dsp:sp modelId="{FE060399-013C-471F-924F-DEC89F3DFD88}">
+    <dsp:sp modelId="{53567BA6-68A2-46C6-85B9-0ED70F93207F}">
       <dsp:nvSpPr>
         <dsp:cNvPr id="0" name=""/>
         <dsp:cNvSpPr/>
       </dsp:nvSpPr>
       <dsp:spPr>
         <a:xfrm>
-          <a:off x="5310729" y="4177853"/>
-          <a:ext cx="852412" cy="541282"/>
+          <a:off x="5820209" y="3404985"/>
+          <a:ext cx="934777" cy="593583"/>
         </a:xfrm>
         <a:prstGeom prst="roundRect">
           <a:avLst>
@@ -4936,25 +4828,25 @@
           </a:pPr>
           <a:r>
             <a:rPr lang="en-PH" sz="1200" kern="1200" dirty="0" smtClean="0"/>
-            <a:t>View Profile</a:t>
+            <a:t> Book Vehicle</a:t>
           </a:r>
           <a:endParaRPr lang="en-PH" sz="1200" kern="1200" dirty="0"/>
         </a:p>
       </dsp:txBody>
       <dsp:txXfrm>
-        <a:off x="5326583" y="4193707"/>
-        <a:ext cx="820704" cy="509574"/>
+        <a:off x="5837594" y="3422370"/>
+        <a:ext cx="900007" cy="558813"/>
       </dsp:txXfrm>
     </dsp:sp>
-    <dsp:sp modelId="{320D0201-221C-4A96-B759-0D3C07FBF93D}">
+    <dsp:sp modelId="{E6C9A335-B9FC-4E4B-833B-8F9AF1CF8E1D}">
       <dsp:nvSpPr>
         <dsp:cNvPr id="0" name=""/>
         <dsp:cNvSpPr/>
       </dsp:nvSpPr>
       <dsp:spPr>
         <a:xfrm>
-          <a:off x="6257855" y="3298684"/>
-          <a:ext cx="852412" cy="541282"/>
+          <a:off x="6858851" y="3306314"/>
+          <a:ext cx="934777" cy="593583"/>
         </a:xfrm>
         <a:prstGeom prst="roundRect">
           <a:avLst>
@@ -4998,15 +4890,15 @@
         </a:fontRef>
       </dsp:style>
     </dsp:sp>
-    <dsp:sp modelId="{53567BA6-68A2-46C6-85B9-0ED70F93207F}">
+    <dsp:sp modelId="{F334C127-0419-4F7B-977E-CF00D2E7A2C0}">
       <dsp:nvSpPr>
         <dsp:cNvPr id="0" name=""/>
         <dsp:cNvSpPr/>
       </dsp:nvSpPr>
       <dsp:spPr>
         <a:xfrm>
-          <a:off x="6352567" y="3388661"/>
-          <a:ext cx="852412" cy="541282"/>
+          <a:off x="6962715" y="3404985"/>
+          <a:ext cx="934777" cy="593583"/>
         </a:xfrm>
         <a:prstGeom prst="roundRect">
           <a:avLst>
@@ -5067,25 +4959,25 @@
           </a:pPr>
           <a:r>
             <a:rPr lang="en-PH" sz="1200" kern="1200" dirty="0" smtClean="0"/>
-            <a:t> Book Vehicle</a:t>
+            <a:t>Cancel Booking</a:t>
           </a:r>
           <a:endParaRPr lang="en-PH" sz="1200" kern="1200" dirty="0"/>
         </a:p>
       </dsp:txBody>
       <dsp:txXfrm>
-        <a:off x="6368421" y="3404515"/>
-        <a:ext cx="820704" cy="509574"/>
+        <a:off x="6980100" y="3422370"/>
+        <a:ext cx="900007" cy="558813"/>
       </dsp:txXfrm>
     </dsp:sp>
-    <dsp:sp modelId="{E6C9A335-B9FC-4E4B-833B-8F9AF1CF8E1D}">
+    <dsp:sp modelId="{8627282E-C823-4A97-95C9-D8E317FF48B7}">
       <dsp:nvSpPr>
         <dsp:cNvPr id="0" name=""/>
         <dsp:cNvSpPr/>
       </dsp:nvSpPr>
       <dsp:spPr>
         <a:xfrm>
-          <a:off x="7299693" y="3298684"/>
-          <a:ext cx="852412" cy="541282"/>
+          <a:off x="8572610" y="2440866"/>
+          <a:ext cx="934777" cy="593583"/>
         </a:xfrm>
         <a:prstGeom prst="roundRect">
           <a:avLst>
@@ -5129,137 +5021,6 @@
         </a:fontRef>
       </dsp:style>
     </dsp:sp>
-    <dsp:sp modelId="{F334C127-0419-4F7B-977E-CF00D2E7A2C0}">
-      <dsp:nvSpPr>
-        <dsp:cNvPr id="0" name=""/>
-        <dsp:cNvSpPr/>
-      </dsp:nvSpPr>
-      <dsp:spPr>
-        <a:xfrm>
-          <a:off x="7394405" y="3388661"/>
-          <a:ext cx="852412" cy="541282"/>
-        </a:xfrm>
-        <a:prstGeom prst="roundRect">
-          <a:avLst>
-            <a:gd name="adj" fmla="val 10000"/>
-          </a:avLst>
-        </a:prstGeom>
-        <a:solidFill>
-          <a:schemeClr val="lt1">
-            <a:alpha val="90000"/>
-            <a:hueOff val="0"/>
-            <a:satOff val="0"/>
-            <a:lumOff val="0"/>
-            <a:alphaOff val="0"/>
-          </a:schemeClr>
-        </a:solidFill>
-        <a:ln w="12700" cap="flat" cmpd="sng" algn="ctr">
-          <a:solidFill>
-            <a:schemeClr val="accent1">
-              <a:hueOff val="0"/>
-              <a:satOff val="0"/>
-              <a:lumOff val="0"/>
-              <a:alphaOff val="0"/>
-            </a:schemeClr>
-          </a:solidFill>
-          <a:prstDash val="solid"/>
-          <a:miter lim="800000"/>
-        </a:ln>
-        <a:effectLst/>
-      </dsp:spPr>
-      <dsp:style>
-        <a:lnRef idx="2">
-          <a:scrgbClr r="0" g="0" b="0"/>
-        </a:lnRef>
-        <a:fillRef idx="1">
-          <a:scrgbClr r="0" g="0" b="0"/>
-        </a:fillRef>
-        <a:effectRef idx="0">
-          <a:scrgbClr r="0" g="0" b="0"/>
-        </a:effectRef>
-        <a:fontRef idx="minor"/>
-      </dsp:style>
-      <dsp:txBody>
-        <a:bodyPr spcFirstLastPara="0" vert="horz" wrap="square" lIns="45720" tIns="45720" rIns="45720" bIns="45720" numCol="1" spcCol="1270" anchor="ctr" anchorCtr="0">
-          <a:noAutofit/>
-        </a:bodyPr>
-        <a:lstStyle/>
-        <a:p>
-          <a:pPr lvl="0" algn="ctr" defTabSz="533400">
-            <a:lnSpc>
-              <a:spcPct val="90000"/>
-            </a:lnSpc>
-            <a:spcBef>
-              <a:spcPct val="0"/>
-            </a:spcBef>
-            <a:spcAft>
-              <a:spcPct val="35000"/>
-            </a:spcAft>
-          </a:pPr>
-          <a:r>
-            <a:rPr lang="en-PH" sz="1200" kern="1200" dirty="0" smtClean="0"/>
-            <a:t>Cancel Booking</a:t>
-          </a:r>
-          <a:endParaRPr lang="en-PH" sz="1200" kern="1200" dirty="0"/>
-        </a:p>
-      </dsp:txBody>
-      <dsp:txXfrm>
-        <a:off x="7410259" y="3404515"/>
-        <a:ext cx="820704" cy="509574"/>
-      </dsp:txXfrm>
-    </dsp:sp>
-    <dsp:sp modelId="{8627282E-C823-4A97-95C9-D8E317FF48B7}">
-      <dsp:nvSpPr>
-        <dsp:cNvPr id="0" name=""/>
-        <dsp:cNvSpPr/>
-      </dsp:nvSpPr>
-      <dsp:spPr>
-        <a:xfrm>
-          <a:off x="8862450" y="2509492"/>
-          <a:ext cx="852412" cy="541282"/>
-        </a:xfrm>
-        <a:prstGeom prst="roundRect">
-          <a:avLst>
-            <a:gd name="adj" fmla="val 10000"/>
-          </a:avLst>
-        </a:prstGeom>
-        <a:solidFill>
-          <a:schemeClr val="accent1">
-            <a:hueOff val="0"/>
-            <a:satOff val="0"/>
-            <a:lumOff val="0"/>
-            <a:alphaOff val="0"/>
-          </a:schemeClr>
-        </a:solidFill>
-        <a:ln w="12700" cap="flat" cmpd="sng" algn="ctr">
-          <a:solidFill>
-            <a:schemeClr val="lt1">
-              <a:hueOff val="0"/>
-              <a:satOff val="0"/>
-              <a:lumOff val="0"/>
-              <a:alphaOff val="0"/>
-            </a:schemeClr>
-          </a:solidFill>
-          <a:prstDash val="solid"/>
-          <a:miter lim="800000"/>
-        </a:ln>
-        <a:effectLst/>
-      </dsp:spPr>
-      <dsp:style>
-        <a:lnRef idx="2">
-          <a:scrgbClr r="0" g="0" b="0"/>
-        </a:lnRef>
-        <a:fillRef idx="1">
-          <a:scrgbClr r="0" g="0" b="0"/>
-        </a:fillRef>
-        <a:effectRef idx="0">
-          <a:scrgbClr r="0" g="0" b="0"/>
-        </a:effectRef>
-        <a:fontRef idx="minor">
-          <a:schemeClr val="lt1"/>
-        </a:fontRef>
-      </dsp:style>
-    </dsp:sp>
     <dsp:sp modelId="{C7CBE0D8-703E-4096-839E-07227D10DA39}">
       <dsp:nvSpPr>
         <dsp:cNvPr id="0" name=""/>
@@ -5267,8 +5028,8 @@
       </dsp:nvSpPr>
       <dsp:spPr>
         <a:xfrm>
-          <a:off x="8957162" y="2599469"/>
-          <a:ext cx="852412" cy="541282"/>
+          <a:off x="8676475" y="2539537"/>
+          <a:ext cx="934777" cy="593583"/>
         </a:xfrm>
         <a:prstGeom prst="roundRect">
           <a:avLst>
@@ -5352,8 +5113,8 @@
         </a:p>
       </dsp:txBody>
       <dsp:txXfrm>
-        <a:off x="8973016" y="2615323"/>
-        <a:ext cx="820704" cy="509574"/>
+        <a:off x="8693860" y="2556922"/>
+        <a:ext cx="900007" cy="558813"/>
       </dsp:txXfrm>
     </dsp:sp>
     <dsp:sp modelId="{9CD4441F-E9D2-4025-99E6-22DB7BF3132C}">
@@ -5363,8 +5124,8 @@
       </dsp:nvSpPr>
       <dsp:spPr>
         <a:xfrm>
-          <a:off x="8341531" y="3298684"/>
-          <a:ext cx="852412" cy="541282"/>
+          <a:off x="8001357" y="3306314"/>
+          <a:ext cx="934777" cy="593583"/>
         </a:xfrm>
         <a:prstGeom prst="roundRect">
           <a:avLst>
@@ -5415,8 +5176,8 @@
       </dsp:nvSpPr>
       <dsp:spPr>
         <a:xfrm>
-          <a:off x="8436243" y="3388661"/>
-          <a:ext cx="852412" cy="541282"/>
+          <a:off x="8105221" y="3404985"/>
+          <a:ext cx="934777" cy="593583"/>
         </a:xfrm>
         <a:prstGeom prst="roundRect">
           <a:avLst>
@@ -5483,8 +5244,8 @@
         </a:p>
       </dsp:txBody>
       <dsp:txXfrm>
-        <a:off x="8452097" y="3404515"/>
-        <a:ext cx="820704" cy="509574"/>
+        <a:off x="8122606" y="3422370"/>
+        <a:ext cx="900007" cy="558813"/>
       </dsp:txXfrm>
     </dsp:sp>
     <dsp:sp modelId="{DB23EC0A-7441-452E-988B-01508BCECC76}">
@@ -5494,8 +5255,8 @@
       </dsp:nvSpPr>
       <dsp:spPr>
         <a:xfrm>
-          <a:off x="9383369" y="3298684"/>
-          <a:ext cx="852412" cy="541282"/>
+          <a:off x="9143864" y="3306314"/>
+          <a:ext cx="934777" cy="593583"/>
         </a:xfrm>
         <a:prstGeom prst="roundRect">
           <a:avLst>
@@ -5546,8 +5307,8 @@
       </dsp:nvSpPr>
       <dsp:spPr>
         <a:xfrm>
-          <a:off x="9478081" y="3388661"/>
-          <a:ext cx="852412" cy="541282"/>
+          <a:off x="9247728" y="3404985"/>
+          <a:ext cx="934777" cy="593583"/>
         </a:xfrm>
         <a:prstGeom prst="roundRect">
           <a:avLst>
@@ -5614,8 +5375,8 @@
         </a:p>
       </dsp:txBody>
       <dsp:txXfrm>
-        <a:off x="9493935" y="3404515"/>
-        <a:ext cx="820704" cy="509574"/>
+        <a:off x="9265113" y="3422370"/>
+        <a:ext cx="900007" cy="558813"/>
       </dsp:txXfrm>
     </dsp:sp>
     <dsp:sp modelId="{0868834C-B8F1-4844-B744-5B900BC52607}">
@@ -5625,8 +5386,8 @@
       </dsp:nvSpPr>
       <dsp:spPr>
         <a:xfrm>
-          <a:off x="9904288" y="2509492"/>
-          <a:ext cx="852412" cy="541282"/>
+          <a:off x="9715117" y="2440866"/>
+          <a:ext cx="934777" cy="593583"/>
         </a:xfrm>
         <a:prstGeom prst="roundRect">
           <a:avLst>
@@ -5677,8 +5438,8 @@
       </dsp:nvSpPr>
       <dsp:spPr>
         <a:xfrm>
-          <a:off x="9999000" y="2599469"/>
-          <a:ext cx="852412" cy="541282"/>
+          <a:off x="9818981" y="2539537"/>
+          <a:ext cx="934777" cy="593583"/>
         </a:xfrm>
         <a:prstGeom prst="roundRect">
           <a:avLst>
@@ -5745,8 +5506,8 @@
         </a:p>
       </dsp:txBody>
       <dsp:txXfrm>
-        <a:off x="10014854" y="2615323"/>
-        <a:ext cx="820704" cy="509574"/>
+        <a:off x="9836366" y="2556922"/>
+        <a:ext cx="900007" cy="558813"/>
       </dsp:txXfrm>
     </dsp:sp>
     <dsp:sp modelId="{0A4F2873-8078-49A6-A7BF-B6E4A512997A}">
@@ -5756,8 +5517,8 @@
       </dsp:nvSpPr>
       <dsp:spPr>
         <a:xfrm>
-          <a:off x="10946126" y="2509492"/>
-          <a:ext cx="852412" cy="541282"/>
+          <a:off x="10857623" y="2440866"/>
+          <a:ext cx="934777" cy="593583"/>
         </a:xfrm>
         <a:prstGeom prst="roundRect">
           <a:avLst>
@@ -5808,8 +5569,8 @@
       </dsp:nvSpPr>
       <dsp:spPr>
         <a:xfrm>
-          <a:off x="11040838" y="2599469"/>
-          <a:ext cx="852412" cy="541282"/>
+          <a:off x="10961487" y="2539537"/>
+          <a:ext cx="934777" cy="593583"/>
         </a:xfrm>
         <a:prstGeom prst="roundRect">
           <a:avLst>
@@ -5876,8 +5637,8 @@
         </a:p>
       </dsp:txBody>
       <dsp:txXfrm>
-        <a:off x="11056692" y="2615323"/>
-        <a:ext cx="820704" cy="509574"/>
+        <a:off x="10978872" y="2556922"/>
+        <a:ext cx="900007" cy="558813"/>
       </dsp:txXfrm>
     </dsp:sp>
   </dsp:spTree>
@@ -7612,7 +7373,7 @@
           <a:p>
             <a:fld id="{FCF95E13-A716-4F28-BDC3-EA651549DE62}" type="datetimeFigureOut">
               <a:rPr lang="en-PH" smtClean="0"/>
-              <a:t>09/01/2018</a:t>
+              <a:t>27/02/2018</a:t>
             </a:fld>
             <a:endParaRPr lang="en-PH"/>
           </a:p>
@@ -7782,7 +7543,7 @@
           <a:p>
             <a:fld id="{FCF95E13-A716-4F28-BDC3-EA651549DE62}" type="datetimeFigureOut">
               <a:rPr lang="en-PH" smtClean="0"/>
-              <a:t>09/01/2018</a:t>
+              <a:t>27/02/2018</a:t>
             </a:fld>
             <a:endParaRPr lang="en-PH"/>
           </a:p>
@@ -7962,7 +7723,7 @@
           <a:p>
             <a:fld id="{FCF95E13-A716-4F28-BDC3-EA651549DE62}" type="datetimeFigureOut">
               <a:rPr lang="en-PH" smtClean="0"/>
-              <a:t>09/01/2018</a:t>
+              <a:t>27/02/2018</a:t>
             </a:fld>
             <a:endParaRPr lang="en-PH"/>
           </a:p>
@@ -8132,7 +7893,7 @@
           <a:p>
             <a:fld id="{FCF95E13-A716-4F28-BDC3-EA651549DE62}" type="datetimeFigureOut">
               <a:rPr lang="en-PH" smtClean="0"/>
-              <a:t>09/01/2018</a:t>
+              <a:t>27/02/2018</a:t>
             </a:fld>
             <a:endParaRPr lang="en-PH"/>
           </a:p>
@@ -8378,7 +8139,7 @@
           <a:p>
             <a:fld id="{FCF95E13-A716-4F28-BDC3-EA651549DE62}" type="datetimeFigureOut">
               <a:rPr lang="en-PH" smtClean="0"/>
-              <a:t>09/01/2018</a:t>
+              <a:t>27/02/2018</a:t>
             </a:fld>
             <a:endParaRPr lang="en-PH"/>
           </a:p>
@@ -8610,7 +8371,7 @@
           <a:p>
             <a:fld id="{FCF95E13-A716-4F28-BDC3-EA651549DE62}" type="datetimeFigureOut">
               <a:rPr lang="en-PH" smtClean="0"/>
-              <a:t>09/01/2018</a:t>
+              <a:t>27/02/2018</a:t>
             </a:fld>
             <a:endParaRPr lang="en-PH"/>
           </a:p>
@@ -8977,7 +8738,7 @@
           <a:p>
             <a:fld id="{FCF95E13-A716-4F28-BDC3-EA651549DE62}" type="datetimeFigureOut">
               <a:rPr lang="en-PH" smtClean="0"/>
-              <a:t>09/01/2018</a:t>
+              <a:t>27/02/2018</a:t>
             </a:fld>
             <a:endParaRPr lang="en-PH"/>
           </a:p>
@@ -9095,7 +8856,7 @@
           <a:p>
             <a:fld id="{FCF95E13-A716-4F28-BDC3-EA651549DE62}" type="datetimeFigureOut">
               <a:rPr lang="en-PH" smtClean="0"/>
-              <a:t>09/01/2018</a:t>
+              <a:t>27/02/2018</a:t>
             </a:fld>
             <a:endParaRPr lang="en-PH"/>
           </a:p>
@@ -9190,7 +8951,7 @@
           <a:p>
             <a:fld id="{FCF95E13-A716-4F28-BDC3-EA651549DE62}" type="datetimeFigureOut">
               <a:rPr lang="en-PH" smtClean="0"/>
-              <a:t>09/01/2018</a:t>
+              <a:t>27/02/2018</a:t>
             </a:fld>
             <a:endParaRPr lang="en-PH"/>
           </a:p>
@@ -9467,7 +9228,7 @@
           <a:p>
             <a:fld id="{FCF95E13-A716-4F28-BDC3-EA651549DE62}" type="datetimeFigureOut">
               <a:rPr lang="en-PH" smtClean="0"/>
-              <a:t>09/01/2018</a:t>
+              <a:t>27/02/2018</a:t>
             </a:fld>
             <a:endParaRPr lang="en-PH"/>
           </a:p>
@@ -9720,7 +9481,7 @@
           <a:p>
             <a:fld id="{FCF95E13-A716-4F28-BDC3-EA651549DE62}" type="datetimeFigureOut">
               <a:rPr lang="en-PH" smtClean="0"/>
-              <a:t>09/01/2018</a:t>
+              <a:t>27/02/2018</a:t>
             </a:fld>
             <a:endParaRPr lang="en-PH"/>
           </a:p>
@@ -9933,7 +9694,7 @@
           <a:p>
             <a:fld id="{FCF95E13-A716-4F28-BDC3-EA651549DE62}" type="datetimeFigureOut">
               <a:rPr lang="en-PH" smtClean="0"/>
-              <a:t>09/01/2018</a:t>
+              <a:t>27/02/2018</a:t>
             </a:fld>
             <a:endParaRPr lang="en-PH"/>
           </a:p>
@@ -10345,7 +10106,7 @@
           <p:nvPr>
             <p:extLst>
               <p:ext uri="{D42A27DB-BD31-4B8C-83A1-F6EECF244321}">
-                <p14:modId xmlns:p14="http://schemas.microsoft.com/office/powerpoint/2010/main" val="417489837"/>
+                <p14:modId xmlns:p14="http://schemas.microsoft.com/office/powerpoint/2010/main" val="3239636782"/>
               </p:ext>
             </p:extLst>
           </p:nvPr>
